--- a/source/요즘_우아한_AI개발/ch02_챗GPT를_활용한_Git_Flow_관리_자동화_태영.pptx
+++ b/source/요즘_우아한_AI개발/ch02_챗GPT를_활용한_Git_Flow_관리_자동화_태영.pptx
@@ -10,8 +10,8 @@
     <p:sldId id="259" r:id="rId4"/>
     <p:sldId id="260" r:id="rId5"/>
     <p:sldId id="261" r:id="rId6"/>
-    <p:sldId id="271" r:id="rId7"/>
-    <p:sldId id="270" r:id="rId8"/>
+    <p:sldId id="270" r:id="rId7"/>
+    <p:sldId id="271" r:id="rId8"/>
     <p:sldId id="264" r:id="rId9"/>
     <p:sldId id="265" r:id="rId10"/>
     <p:sldId id="266" r:id="rId11"/>
@@ -242,7 +242,7 @@
           <a:p>
             <a:fld id="{1D8BD707-D9CF-40AE-B4C6-C98DA3205C09}" type="datetimeFigureOut">
               <a:rPr lang="en-US"/>
-              <a:t>7/11/2025</a:t>
+              <a:t>7/11/25</a:t>
             </a:fld>
             <a:endParaRPr lang="en-US"/>
           </a:p>
@@ -465,7 +465,7 @@
           <a:p>
             <a:fld id="{1D8BD707-D9CF-40AE-B4C6-C98DA3205C09}" type="datetimeFigureOut">
               <a:rPr lang="en-US"/>
-              <a:t>7/11/2025</a:t>
+              <a:t>7/11/25</a:t>
             </a:fld>
             <a:endParaRPr lang="en-US"/>
           </a:p>
@@ -731,7 +731,7 @@
           <a:p>
             <a:fld id="{1D8BD707-D9CF-40AE-B4C6-C98DA3205C09}" type="datetimeFigureOut">
               <a:rPr lang="en-US"/>
-              <a:t>7/11/2025</a:t>
+              <a:t>7/11/25</a:t>
             </a:fld>
             <a:endParaRPr lang="en-US"/>
           </a:p>
@@ -925,7 +925,7 @@
           <a:p>
             <a:fld id="{1D8BD707-D9CF-40AE-B4C6-C98DA3205C09}" type="datetimeFigureOut">
               <a:rPr lang="en-US"/>
-              <a:t>7/11/2025</a:t>
+              <a:t>7/11/25</a:t>
             </a:fld>
             <a:endParaRPr lang="en-US"/>
           </a:p>
@@ -1090,7 +1090,7 @@
           <a:p>
             <a:fld id="{1D8BD707-D9CF-40AE-B4C6-C98DA3205C09}" type="datetimeFigureOut">
               <a:rPr lang="en-US"/>
-              <a:t>7/11/2025</a:t>
+              <a:t>7/11/25</a:t>
             </a:fld>
             <a:endParaRPr lang="en-US"/>
           </a:p>
@@ -1411,7 +1411,7 @@
           <a:p>
             <a:fld id="{1D8BD707-D9CF-40AE-B4C6-C98DA3205C09}" type="datetimeFigureOut">
               <a:rPr lang="en-US"/>
-              <a:t>7/11/2025</a:t>
+              <a:t>7/11/25</a:t>
             </a:fld>
             <a:endParaRPr lang="en-US"/>
           </a:p>
@@ -3114,8 +3114,8 @@
         </p:nvGrpSpPr>
         <p:grpSpPr>
           <a:xfrm>
-            <a:off x="476249" y="1333499"/>
-            <a:ext cx="5476875" cy="4191000"/>
+            <a:off x="419100" y="1294606"/>
+            <a:ext cx="5476875" cy="4610100"/>
             <a:chOff x="476249" y="1333499"/>
             <a:chExt cx="5476875" cy="4191000"/>
           </a:xfrm>
@@ -3746,7 +3746,7 @@
         <p:spPr>
           <a:xfrm>
             <a:off x="854075" y="1571345"/>
-            <a:ext cx="4636135" cy="3711575"/>
+            <a:ext cx="4636135" cy="3993337"/>
           </a:xfrm>
           <a:prstGeom prst="rect">
             <a:avLst/>
@@ -3816,7 +3816,7 @@
               </a:rPr>
               <a:t>예시</a:t>
             </a:r>
-            <a:endParaRPr sz="1600">
+            <a:endParaRPr sz="1600" dirty="0">
               <a:latin typeface="Malgun Gothic"/>
               <a:cs typeface="Malgun Gothic"/>
             </a:endParaRPr>
@@ -4220,7 +4220,7 @@
               </a:rPr>
               <a:t>.</a:t>
             </a:r>
-            <a:endParaRPr sz="1350">
+            <a:endParaRPr sz="1350" dirty="0">
               <a:latin typeface="Noto Sans JP"/>
               <a:cs typeface="Noto Sans JP"/>
             </a:endParaRPr>
@@ -4358,7 +4358,7 @@
               </a:rPr>
               <a:t>있음</a:t>
             </a:r>
-            <a:endParaRPr sz="1250">
+            <a:endParaRPr sz="1250" dirty="0">
               <a:latin typeface="Dotum"/>
               <a:cs typeface="Dotum"/>
             </a:endParaRPr>
@@ -4795,7 +4795,7 @@
               </a:rPr>
               <a:t>해</a:t>
             </a:r>
-            <a:endParaRPr sz="1250">
+            <a:endParaRPr sz="1250" dirty="0">
               <a:latin typeface="Dotum"/>
               <a:cs typeface="Dotum"/>
             </a:endParaRPr>
@@ -4986,7 +4986,7 @@
               <a:t> </a:t>
             </a:r>
             <a:r>
-              <a:rPr sz="1250" spc="-20" dirty="0">
+              <a:rPr sz="1250" spc="-20" dirty="0" err="1">
                 <a:solidFill>
                   <a:srgbClr val="C8D0D9"/>
                 </a:solidFill>
@@ -5005,7 +5005,53 @@
               </a:rPr>
               <a:t>"</a:t>
             </a:r>
-            <a:endParaRPr sz="1350">
+            <a:endParaRPr lang="en-US" sz="1350" spc="-20" dirty="0">
+              <a:solidFill>
+                <a:srgbClr val="C8D0D9"/>
+              </a:solidFill>
+              <a:latin typeface="Noto Sans JP"/>
+              <a:cs typeface="Noto Sans JP"/>
+            </a:endParaRPr>
+          </a:p>
+          <a:p>
+            <a:pPr marL="173355" indent="-160655">
+              <a:lnSpc>
+                <a:spcPct val="100000"/>
+              </a:lnSpc>
+              <a:spcBef>
+                <a:spcPts val="105"/>
+              </a:spcBef>
+              <a:buSzPct val="108000"/>
+              <a:buFont typeface="Noto Sans JP"/>
+              <a:buAutoNum type="arabicPeriod"/>
+              <a:tabLst>
+                <a:tab pos="173355" algn="l"/>
+              </a:tabLst>
+            </a:pPr>
+            <a:endParaRPr lang="en-US" sz="1350" spc="-20" dirty="0">
+              <a:solidFill>
+                <a:srgbClr val="C8D0D9"/>
+              </a:solidFill>
+              <a:latin typeface="Noto Sans JP"/>
+              <a:cs typeface="Noto Sans JP"/>
+            </a:endParaRPr>
+          </a:p>
+          <a:p>
+            <a:pPr marL="173355" indent="-160655">
+              <a:lnSpc>
+                <a:spcPct val="100000"/>
+              </a:lnSpc>
+              <a:spcBef>
+                <a:spcPts val="105"/>
+              </a:spcBef>
+              <a:buSzPct val="108000"/>
+              <a:buFont typeface="Noto Sans JP"/>
+              <a:buAutoNum type="arabicPeriod"/>
+              <a:tabLst>
+                <a:tab pos="173355" algn="l"/>
+              </a:tabLst>
+            </a:pPr>
+            <a:endParaRPr sz="1350" dirty="0">
               <a:latin typeface="Noto Sans JP"/>
               <a:cs typeface="Noto Sans JP"/>
             </a:endParaRPr>
@@ -5019,7 +5065,7 @@
                 <a:spcPts val="1230"/>
               </a:spcBef>
             </a:pPr>
-            <a:endParaRPr sz="1100">
+            <a:endParaRPr sz="1100" dirty="0">
               <a:latin typeface="Noto Sans JP"/>
               <a:cs typeface="Noto Sans JP"/>
             </a:endParaRPr>
@@ -5500,7 +5546,7 @@
               </a:rPr>
               <a:t>..."</a:t>
             </a:r>
-            <a:endParaRPr sz="1350">
+            <a:endParaRPr sz="1350" dirty="0">
               <a:latin typeface="Noto Sans JP"/>
               <a:cs typeface="Noto Sans JP"/>
             </a:endParaRPr>
@@ -5514,7 +5560,7 @@
                 <a:spcPts val="735"/>
               </a:spcBef>
             </a:pPr>
-            <a:endParaRPr sz="1100">
+            <a:endParaRPr sz="1100" dirty="0">
               <a:latin typeface="Noto Sans JP"/>
               <a:cs typeface="Noto Sans JP"/>
             </a:endParaRPr>
@@ -5555,7 +5601,7 @@
               </a:rPr>
               <a:t>피드백</a:t>
             </a:r>
-            <a:endParaRPr sz="1200">
+            <a:endParaRPr sz="1200" dirty="0">
               <a:latin typeface="Dotum"/>
               <a:cs typeface="Dotum"/>
             </a:endParaRPr>
@@ -5620,8 +5666,8 @@
         </p:nvGrpSpPr>
         <p:grpSpPr>
           <a:xfrm>
-            <a:off x="6238874" y="1333499"/>
-            <a:ext cx="5476875" cy="4191000"/>
+            <a:off x="6181725" y="1294606"/>
+            <a:ext cx="5476875" cy="4610100"/>
             <a:chOff x="6238874" y="1333499"/>
             <a:chExt cx="5476875" cy="4191000"/>
           </a:xfrm>
@@ -6875,7 +6921,7 @@
               </a:rPr>
               <a:t>grep</a:t>
             </a:r>
-            <a:endParaRPr sz="1350">
+            <a:endParaRPr sz="1350" dirty="0">
               <a:latin typeface="Lucida Console"/>
               <a:cs typeface="Lucida Console"/>
             </a:endParaRPr>
@@ -7031,7 +7077,7 @@
               </a:rPr>
               <a:t>'refs/heads/release/</a:t>
             </a:r>
-            <a:endParaRPr sz="1350">
+            <a:endParaRPr sz="1350" dirty="0">
               <a:latin typeface="Lucida Console"/>
               <a:cs typeface="Lucida Console"/>
             </a:endParaRPr>
@@ -28676,6 +28722,2572 @@
       </p:grpSpPr>
       <p:sp>
         <p:nvSpPr>
+          <p:cNvPr id="4" name="object 3">
+            <a:extLst>
+              <a:ext uri="{FF2B5EF4-FFF2-40B4-BE49-F238E27FC236}">
+                <a16:creationId xmlns:a16="http://schemas.microsoft.com/office/drawing/2014/main" id="{5D8FD61A-19B9-F2CE-7B6A-E56AAFD7BA0E}"/>
+              </a:ext>
+            </a:extLst>
+          </p:cNvPr>
+          <p:cNvSpPr/>
+          <p:nvPr/>
+        </p:nvSpPr>
+        <p:spPr>
+          <a:xfrm>
+            <a:off x="571499" y="571500"/>
+            <a:ext cx="571500" cy="571500"/>
+          </a:xfrm>
+          <a:custGeom>
+            <a:avLst/>
+            <a:gdLst/>
+            <a:ahLst/>
+            <a:cxnLst/>
+            <a:rect l="l" t="t" r="r" b="b"/>
+            <a:pathLst>
+              <a:path w="571500" h="571500">
+                <a:moveTo>
+                  <a:pt x="285749" y="571499"/>
+                </a:moveTo>
+                <a:lnTo>
+                  <a:pt x="243821" y="568407"/>
+                </a:lnTo>
+                <a:lnTo>
+                  <a:pt x="202801" y="559195"/>
+                </a:lnTo>
+                <a:lnTo>
+                  <a:pt x="163575" y="544064"/>
+                </a:lnTo>
+                <a:lnTo>
+                  <a:pt x="126995" y="523342"/>
+                </a:lnTo>
+                <a:lnTo>
+                  <a:pt x="93851" y="497476"/>
+                </a:lnTo>
+                <a:lnTo>
+                  <a:pt x="64862" y="467027"/>
+                </a:lnTo>
+                <a:lnTo>
+                  <a:pt x="40653" y="432654"/>
+                </a:lnTo>
+                <a:lnTo>
+                  <a:pt x="21751" y="395101"/>
+                </a:lnTo>
+                <a:lnTo>
+                  <a:pt x="8563" y="355181"/>
+                </a:lnTo>
+                <a:lnTo>
+                  <a:pt x="1375" y="313758"/>
+                </a:lnTo>
+                <a:lnTo>
+                  <a:pt x="0" y="285749"/>
+                </a:lnTo>
+                <a:lnTo>
+                  <a:pt x="343" y="271728"/>
+                </a:lnTo>
+                <a:lnTo>
+                  <a:pt x="5490" y="230002"/>
+                </a:lnTo>
+                <a:lnTo>
+                  <a:pt x="16703" y="189483"/>
+                </a:lnTo>
+                <a:lnTo>
+                  <a:pt x="33740" y="151048"/>
+                </a:lnTo>
+                <a:lnTo>
+                  <a:pt x="56233" y="115528"/>
+                </a:lnTo>
+                <a:lnTo>
+                  <a:pt x="83694" y="83694"/>
+                </a:lnTo>
+                <a:lnTo>
+                  <a:pt x="115528" y="56233"/>
+                </a:lnTo>
+                <a:lnTo>
+                  <a:pt x="151048" y="33740"/>
+                </a:lnTo>
+                <a:lnTo>
+                  <a:pt x="189483" y="16703"/>
+                </a:lnTo>
+                <a:lnTo>
+                  <a:pt x="230002" y="5490"/>
+                </a:lnTo>
+                <a:lnTo>
+                  <a:pt x="271728" y="344"/>
+                </a:lnTo>
+                <a:lnTo>
+                  <a:pt x="285749" y="0"/>
+                </a:lnTo>
+                <a:lnTo>
+                  <a:pt x="299771" y="344"/>
+                </a:lnTo>
+                <a:lnTo>
+                  <a:pt x="341497" y="5490"/>
+                </a:lnTo>
+                <a:lnTo>
+                  <a:pt x="382016" y="16703"/>
+                </a:lnTo>
+                <a:lnTo>
+                  <a:pt x="420451" y="33740"/>
+                </a:lnTo>
+                <a:lnTo>
+                  <a:pt x="455971" y="56233"/>
+                </a:lnTo>
+                <a:lnTo>
+                  <a:pt x="487805" y="83694"/>
+                </a:lnTo>
+                <a:lnTo>
+                  <a:pt x="515266" y="115528"/>
+                </a:lnTo>
+                <a:lnTo>
+                  <a:pt x="537758" y="151048"/>
+                </a:lnTo>
+                <a:lnTo>
+                  <a:pt x="554796" y="189483"/>
+                </a:lnTo>
+                <a:lnTo>
+                  <a:pt x="566009" y="230002"/>
+                </a:lnTo>
+                <a:lnTo>
+                  <a:pt x="571155" y="271728"/>
+                </a:lnTo>
+                <a:lnTo>
+                  <a:pt x="571499" y="285749"/>
+                </a:lnTo>
+                <a:lnTo>
+                  <a:pt x="571155" y="299771"/>
+                </a:lnTo>
+                <a:lnTo>
+                  <a:pt x="566009" y="341497"/>
+                </a:lnTo>
+                <a:lnTo>
+                  <a:pt x="554796" y="382016"/>
+                </a:lnTo>
+                <a:lnTo>
+                  <a:pt x="537758" y="420451"/>
+                </a:lnTo>
+                <a:lnTo>
+                  <a:pt x="515266" y="455971"/>
+                </a:lnTo>
+                <a:lnTo>
+                  <a:pt x="487805" y="487805"/>
+                </a:lnTo>
+                <a:lnTo>
+                  <a:pt x="455971" y="515266"/>
+                </a:lnTo>
+                <a:lnTo>
+                  <a:pt x="420451" y="537758"/>
+                </a:lnTo>
+                <a:lnTo>
+                  <a:pt x="382016" y="554796"/>
+                </a:lnTo>
+                <a:lnTo>
+                  <a:pt x="341496" y="566009"/>
+                </a:lnTo>
+                <a:lnTo>
+                  <a:pt x="299771" y="571155"/>
+                </a:lnTo>
+                <a:lnTo>
+                  <a:pt x="285749" y="571499"/>
+                </a:lnTo>
+                <a:close/>
+              </a:path>
+            </a:pathLst>
+          </a:custGeom>
+          <a:solidFill>
+            <a:srgbClr val="58A6FF">
+              <a:alpha val="10198"/>
+            </a:srgbClr>
+          </a:solidFill>
+        </p:spPr>
+        <p:txBody>
+          <a:bodyPr wrap="square" lIns="0" tIns="0" rIns="0" bIns="0" rtlCol="0"/>
+          <a:lstStyle/>
+          <a:p>
+            <a:endParaRPr/>
+          </a:p>
+        </p:txBody>
+      </p:sp>
+      <p:sp>
+        <p:nvSpPr>
+          <p:cNvPr id="5" name="object 4">
+            <a:extLst>
+              <a:ext uri="{FF2B5EF4-FFF2-40B4-BE49-F238E27FC236}">
+                <a16:creationId xmlns:a16="http://schemas.microsoft.com/office/drawing/2014/main" id="{D5D8AC78-0318-2BD6-B760-5B623F65E5A4}"/>
+              </a:ext>
+            </a:extLst>
+          </p:cNvPr>
+          <p:cNvSpPr txBox="1">
+            <a:spLocks noGrp="1"/>
+          </p:cNvSpPr>
+          <p:nvPr>
+            <p:ph type="title"/>
+          </p:nvPr>
+        </p:nvSpPr>
+        <p:spPr>
+          <a:xfrm>
+            <a:off x="732035" y="575944"/>
+            <a:ext cx="4163695" cy="542290"/>
+          </a:xfrm>
+          <a:prstGeom prst="rect">
+            <a:avLst/>
+          </a:prstGeom>
+        </p:spPr>
+        <p:txBody>
+          <a:bodyPr vert="horz" wrap="square" lIns="0" tIns="17780" rIns="0" bIns="0" rtlCol="0">
+            <a:spAutoFit/>
+          </a:bodyPr>
+          <a:lstStyle/>
+          <a:p>
+            <a:pPr marL="12700">
+              <a:lnSpc>
+                <a:spcPct val="100000"/>
+              </a:lnSpc>
+              <a:spcBef>
+                <a:spcPts val="140"/>
+              </a:spcBef>
+              <a:tabLst>
+                <a:tab pos="601345" algn="l"/>
+              </a:tabLst>
+            </a:pPr>
+            <a:r>
+              <a:rPr lang="en-US" altLang="ko-KR" spc="-50" dirty="0">
+                <a:latin typeface="Trebuchet MS"/>
+                <a:cs typeface="Trebuchet MS"/>
+              </a:rPr>
+              <a:t>5</a:t>
+            </a:r>
+            <a:r>
+              <a:rPr dirty="0">
+                <a:latin typeface="Trebuchet MS"/>
+                <a:cs typeface="Trebuchet MS"/>
+              </a:rPr>
+              <a:t>	</a:t>
+            </a:r>
+            <a:r>
+              <a:rPr spc="-605" dirty="0"/>
+              <a:t>백포팅</a:t>
+            </a:r>
+            <a:r>
+              <a:rPr spc="-335" dirty="0"/>
+              <a:t> </a:t>
+            </a:r>
+            <a:r>
+              <a:rPr spc="-490" dirty="0"/>
+              <a:t>전략</a:t>
+            </a:r>
+            <a:r>
+              <a:rPr spc="-490" dirty="0">
+                <a:latin typeface="Trebuchet MS"/>
+                <a:cs typeface="Trebuchet MS"/>
+              </a:rPr>
+              <a:t>(</a:t>
+            </a:r>
+            <a:r>
+              <a:rPr spc="-490" dirty="0"/>
+              <a:t>기차놀이</a:t>
+            </a:r>
+            <a:r>
+              <a:rPr spc="-490" dirty="0">
+                <a:latin typeface="Trebuchet MS"/>
+                <a:cs typeface="Trebuchet MS"/>
+              </a:rPr>
+              <a:t>)</a:t>
+            </a:r>
+          </a:p>
+        </p:txBody>
+      </p:sp>
+      <p:grpSp>
+        <p:nvGrpSpPr>
+          <p:cNvPr id="6" name="object 5">
+            <a:extLst>
+              <a:ext uri="{FF2B5EF4-FFF2-40B4-BE49-F238E27FC236}">
+                <a16:creationId xmlns:a16="http://schemas.microsoft.com/office/drawing/2014/main" id="{645AAA95-DBB5-4468-098A-7655B1852282}"/>
+              </a:ext>
+            </a:extLst>
+          </p:cNvPr>
+          <p:cNvGrpSpPr/>
+          <p:nvPr/>
+        </p:nvGrpSpPr>
+        <p:grpSpPr>
+          <a:xfrm>
+            <a:off x="571499" y="1523999"/>
+            <a:ext cx="4781550" cy="1685925"/>
+            <a:chOff x="571499" y="1523999"/>
+            <a:chExt cx="4781550" cy="1685925"/>
+          </a:xfrm>
+        </p:grpSpPr>
+        <p:sp>
+          <p:nvSpPr>
+            <p:cNvPr id="7" name="object 6">
+              <a:extLst>
+                <a:ext uri="{FF2B5EF4-FFF2-40B4-BE49-F238E27FC236}">
+                  <a16:creationId xmlns:a16="http://schemas.microsoft.com/office/drawing/2014/main" id="{A6AEF050-6B53-5884-133E-7B0F471A8583}"/>
+                </a:ext>
+              </a:extLst>
+            </p:cNvPr>
+            <p:cNvSpPr/>
+            <p:nvPr/>
+          </p:nvSpPr>
+          <p:spPr>
+            <a:xfrm>
+              <a:off x="576262" y="1528762"/>
+              <a:ext cx="4772025" cy="1676400"/>
+            </a:xfrm>
+            <a:custGeom>
+              <a:avLst/>
+              <a:gdLst/>
+              <a:ahLst/>
+              <a:cxnLst/>
+              <a:rect l="l" t="t" r="r" b="b"/>
+              <a:pathLst>
+                <a:path w="4772025" h="1676400">
+                  <a:moveTo>
+                    <a:pt x="4687478" y="1676399"/>
+                  </a:moveTo>
+                  <a:lnTo>
+                    <a:pt x="84545" y="1676399"/>
+                  </a:lnTo>
+                  <a:lnTo>
+                    <a:pt x="78661" y="1675820"/>
+                  </a:lnTo>
+                  <a:lnTo>
+                    <a:pt x="35275" y="1657848"/>
+                  </a:lnTo>
+                  <a:lnTo>
+                    <a:pt x="9161" y="1626029"/>
+                  </a:lnTo>
+                  <a:lnTo>
+                    <a:pt x="0" y="1591853"/>
+                  </a:lnTo>
+                  <a:lnTo>
+                    <a:pt x="0" y="1585912"/>
+                  </a:lnTo>
+                  <a:lnTo>
+                    <a:pt x="0" y="84545"/>
+                  </a:lnTo>
+                  <a:lnTo>
+                    <a:pt x="11948" y="45155"/>
+                  </a:lnTo>
+                  <a:lnTo>
+                    <a:pt x="45155" y="11948"/>
+                  </a:lnTo>
+                  <a:lnTo>
+                    <a:pt x="84545" y="0"/>
+                  </a:lnTo>
+                  <a:lnTo>
+                    <a:pt x="4687478" y="0"/>
+                  </a:lnTo>
+                  <a:lnTo>
+                    <a:pt x="4726868" y="11948"/>
+                  </a:lnTo>
+                  <a:lnTo>
+                    <a:pt x="4760075" y="45155"/>
+                  </a:lnTo>
+                  <a:lnTo>
+                    <a:pt x="4772024" y="84545"/>
+                  </a:lnTo>
+                  <a:lnTo>
+                    <a:pt x="4772024" y="1591853"/>
+                  </a:lnTo>
+                  <a:lnTo>
+                    <a:pt x="4760075" y="1631244"/>
+                  </a:lnTo>
+                  <a:lnTo>
+                    <a:pt x="4726868" y="1664449"/>
+                  </a:lnTo>
+                  <a:lnTo>
+                    <a:pt x="4693362" y="1675820"/>
+                  </a:lnTo>
+                  <a:lnTo>
+                    <a:pt x="4687478" y="1676399"/>
+                  </a:lnTo>
+                  <a:close/>
+                </a:path>
+              </a:pathLst>
+            </a:custGeom>
+            <a:solidFill>
+              <a:srgbClr val="20252D">
+                <a:alpha val="70199"/>
+              </a:srgbClr>
+            </a:solidFill>
+          </p:spPr>
+          <p:txBody>
+            <a:bodyPr wrap="square" lIns="0" tIns="0" rIns="0" bIns="0" rtlCol="0"/>
+            <a:lstStyle/>
+            <a:p>
+              <a:endParaRPr/>
+            </a:p>
+          </p:txBody>
+        </p:sp>
+        <p:sp>
+          <p:nvSpPr>
+            <p:cNvPr id="8" name="object 7">
+              <a:extLst>
+                <a:ext uri="{FF2B5EF4-FFF2-40B4-BE49-F238E27FC236}">
+                  <a16:creationId xmlns:a16="http://schemas.microsoft.com/office/drawing/2014/main" id="{CA82808F-D153-3921-C3AA-BE7A2443B87C}"/>
+                </a:ext>
+              </a:extLst>
+            </p:cNvPr>
+            <p:cNvSpPr/>
+            <p:nvPr/>
+          </p:nvSpPr>
+          <p:spPr>
+            <a:xfrm>
+              <a:off x="576262" y="1528762"/>
+              <a:ext cx="4772025" cy="1676400"/>
+            </a:xfrm>
+            <a:custGeom>
+              <a:avLst/>
+              <a:gdLst/>
+              <a:ahLst/>
+              <a:cxnLst/>
+              <a:rect l="l" t="t" r="r" b="b"/>
+              <a:pathLst>
+                <a:path w="4772025" h="1676400">
+                  <a:moveTo>
+                    <a:pt x="0" y="1585912"/>
+                  </a:moveTo>
+                  <a:lnTo>
+                    <a:pt x="0" y="90487"/>
+                  </a:lnTo>
+                  <a:lnTo>
+                    <a:pt x="0" y="84545"/>
+                  </a:lnTo>
+                  <a:lnTo>
+                    <a:pt x="579" y="78661"/>
+                  </a:lnTo>
+                  <a:lnTo>
+                    <a:pt x="1738" y="72834"/>
+                  </a:lnTo>
+                  <a:lnTo>
+                    <a:pt x="2897" y="67006"/>
+                  </a:lnTo>
+                  <a:lnTo>
+                    <a:pt x="4614" y="61348"/>
+                  </a:lnTo>
+                  <a:lnTo>
+                    <a:pt x="6887" y="55859"/>
+                  </a:lnTo>
+                  <a:lnTo>
+                    <a:pt x="9161" y="50369"/>
+                  </a:lnTo>
+                  <a:lnTo>
+                    <a:pt x="26503" y="26503"/>
+                  </a:lnTo>
+                  <a:lnTo>
+                    <a:pt x="30704" y="22301"/>
+                  </a:lnTo>
+                  <a:lnTo>
+                    <a:pt x="67006" y="2897"/>
+                  </a:lnTo>
+                  <a:lnTo>
+                    <a:pt x="72834" y="1738"/>
+                  </a:lnTo>
+                  <a:lnTo>
+                    <a:pt x="78661" y="579"/>
+                  </a:lnTo>
+                  <a:lnTo>
+                    <a:pt x="84545" y="0"/>
+                  </a:lnTo>
+                  <a:lnTo>
+                    <a:pt x="90487" y="0"/>
+                  </a:lnTo>
+                  <a:lnTo>
+                    <a:pt x="4681537" y="0"/>
+                  </a:lnTo>
+                  <a:lnTo>
+                    <a:pt x="4687478" y="0"/>
+                  </a:lnTo>
+                  <a:lnTo>
+                    <a:pt x="4693362" y="579"/>
+                  </a:lnTo>
+                  <a:lnTo>
+                    <a:pt x="4699189" y="1738"/>
+                  </a:lnTo>
+                  <a:lnTo>
+                    <a:pt x="4705017" y="2897"/>
+                  </a:lnTo>
+                  <a:lnTo>
+                    <a:pt x="4731808" y="15249"/>
+                  </a:lnTo>
+                  <a:lnTo>
+                    <a:pt x="4736748" y="18550"/>
+                  </a:lnTo>
+                  <a:lnTo>
+                    <a:pt x="4762862" y="50369"/>
+                  </a:lnTo>
+                  <a:lnTo>
+                    <a:pt x="4765136" y="55859"/>
+                  </a:lnTo>
+                  <a:lnTo>
+                    <a:pt x="4767409" y="61348"/>
+                  </a:lnTo>
+                  <a:lnTo>
+                    <a:pt x="4769125" y="67006"/>
+                  </a:lnTo>
+                  <a:lnTo>
+                    <a:pt x="4770285" y="72834"/>
+                  </a:lnTo>
+                  <a:lnTo>
+                    <a:pt x="4771445" y="78661"/>
+                  </a:lnTo>
+                  <a:lnTo>
+                    <a:pt x="4772024" y="84545"/>
+                  </a:lnTo>
+                  <a:lnTo>
+                    <a:pt x="4772024" y="90487"/>
+                  </a:lnTo>
+                  <a:lnTo>
+                    <a:pt x="4772024" y="1585912"/>
+                  </a:lnTo>
+                  <a:lnTo>
+                    <a:pt x="4772024" y="1591853"/>
+                  </a:lnTo>
+                  <a:lnTo>
+                    <a:pt x="4771445" y="1597737"/>
+                  </a:lnTo>
+                  <a:lnTo>
+                    <a:pt x="4770285" y="1603565"/>
+                  </a:lnTo>
+                  <a:lnTo>
+                    <a:pt x="4769125" y="1609392"/>
+                  </a:lnTo>
+                  <a:lnTo>
+                    <a:pt x="4767409" y="1615050"/>
+                  </a:lnTo>
+                  <a:lnTo>
+                    <a:pt x="4765136" y="1620539"/>
+                  </a:lnTo>
+                  <a:lnTo>
+                    <a:pt x="4762862" y="1626029"/>
+                  </a:lnTo>
+                  <a:lnTo>
+                    <a:pt x="4745521" y="1649896"/>
+                  </a:lnTo>
+                  <a:lnTo>
+                    <a:pt x="4741319" y="1654097"/>
+                  </a:lnTo>
+                  <a:lnTo>
+                    <a:pt x="4736748" y="1657848"/>
+                  </a:lnTo>
+                  <a:lnTo>
+                    <a:pt x="4731808" y="1661149"/>
+                  </a:lnTo>
+                  <a:lnTo>
+                    <a:pt x="4726868" y="1664449"/>
+                  </a:lnTo>
+                  <a:lnTo>
+                    <a:pt x="4721653" y="1667237"/>
+                  </a:lnTo>
+                  <a:lnTo>
+                    <a:pt x="4716164" y="1669511"/>
+                  </a:lnTo>
+                  <a:lnTo>
+                    <a:pt x="4710675" y="1671785"/>
+                  </a:lnTo>
+                  <a:lnTo>
+                    <a:pt x="4705017" y="1673501"/>
+                  </a:lnTo>
+                  <a:lnTo>
+                    <a:pt x="4699189" y="1674660"/>
+                  </a:lnTo>
+                  <a:lnTo>
+                    <a:pt x="4693362" y="1675820"/>
+                  </a:lnTo>
+                  <a:lnTo>
+                    <a:pt x="4687478" y="1676399"/>
+                  </a:lnTo>
+                  <a:lnTo>
+                    <a:pt x="4681537" y="1676399"/>
+                  </a:lnTo>
+                  <a:lnTo>
+                    <a:pt x="90487" y="1676399"/>
+                  </a:lnTo>
+                  <a:lnTo>
+                    <a:pt x="84545" y="1676399"/>
+                  </a:lnTo>
+                  <a:lnTo>
+                    <a:pt x="78661" y="1675820"/>
+                  </a:lnTo>
+                  <a:lnTo>
+                    <a:pt x="72834" y="1674660"/>
+                  </a:lnTo>
+                  <a:lnTo>
+                    <a:pt x="67006" y="1673501"/>
+                  </a:lnTo>
+                  <a:lnTo>
+                    <a:pt x="61348" y="1671785"/>
+                  </a:lnTo>
+                  <a:lnTo>
+                    <a:pt x="55859" y="1669511"/>
+                  </a:lnTo>
+                  <a:lnTo>
+                    <a:pt x="50370" y="1667237"/>
+                  </a:lnTo>
+                  <a:lnTo>
+                    <a:pt x="26503" y="1649896"/>
+                  </a:lnTo>
+                  <a:lnTo>
+                    <a:pt x="22301" y="1645695"/>
+                  </a:lnTo>
+                  <a:lnTo>
+                    <a:pt x="18550" y="1641124"/>
+                  </a:lnTo>
+                  <a:lnTo>
+                    <a:pt x="15249" y="1636184"/>
+                  </a:lnTo>
+                  <a:lnTo>
+                    <a:pt x="11948" y="1631244"/>
+                  </a:lnTo>
+                  <a:lnTo>
+                    <a:pt x="9161" y="1626029"/>
+                  </a:lnTo>
+                  <a:lnTo>
+                    <a:pt x="6887" y="1620539"/>
+                  </a:lnTo>
+                  <a:lnTo>
+                    <a:pt x="4614" y="1615050"/>
+                  </a:lnTo>
+                  <a:lnTo>
+                    <a:pt x="2897" y="1609392"/>
+                  </a:lnTo>
+                  <a:lnTo>
+                    <a:pt x="1738" y="1603565"/>
+                  </a:lnTo>
+                  <a:lnTo>
+                    <a:pt x="579" y="1597737"/>
+                  </a:lnTo>
+                  <a:lnTo>
+                    <a:pt x="0" y="1591853"/>
+                  </a:lnTo>
+                  <a:lnTo>
+                    <a:pt x="0" y="1585912"/>
+                  </a:lnTo>
+                  <a:close/>
+                </a:path>
+              </a:pathLst>
+            </a:custGeom>
+            <a:ln w="9524">
+              <a:solidFill>
+                <a:srgbClr val="2F363C"/>
+              </a:solidFill>
+            </a:ln>
+          </p:spPr>
+          <p:txBody>
+            <a:bodyPr wrap="square" lIns="0" tIns="0" rIns="0" bIns="0" rtlCol="0"/>
+            <a:lstStyle/>
+            <a:p>
+              <a:endParaRPr/>
+            </a:p>
+          </p:txBody>
+        </p:sp>
+      </p:grpSp>
+      <p:grpSp>
+        <p:nvGrpSpPr>
+          <p:cNvPr id="9" name="object 8">
+            <a:extLst>
+              <a:ext uri="{FF2B5EF4-FFF2-40B4-BE49-F238E27FC236}">
+                <a16:creationId xmlns:a16="http://schemas.microsoft.com/office/drawing/2014/main" id="{61B5A0AF-2CA7-45B3-F392-9DCCC9F34A9F}"/>
+              </a:ext>
+            </a:extLst>
+          </p:cNvPr>
+          <p:cNvGrpSpPr/>
+          <p:nvPr/>
+        </p:nvGrpSpPr>
+        <p:grpSpPr>
+          <a:xfrm>
+            <a:off x="571499" y="3400424"/>
+            <a:ext cx="4781550" cy="2419350"/>
+            <a:chOff x="571499" y="3400424"/>
+            <a:chExt cx="4781550" cy="2419350"/>
+          </a:xfrm>
+        </p:grpSpPr>
+        <p:sp>
+          <p:nvSpPr>
+            <p:cNvPr id="10" name="object 9">
+              <a:extLst>
+                <a:ext uri="{FF2B5EF4-FFF2-40B4-BE49-F238E27FC236}">
+                  <a16:creationId xmlns:a16="http://schemas.microsoft.com/office/drawing/2014/main" id="{DE67561D-8E5E-1174-E305-A8E27FC44FD4}"/>
+                </a:ext>
+              </a:extLst>
+            </p:cNvPr>
+            <p:cNvSpPr/>
+            <p:nvPr/>
+          </p:nvSpPr>
+          <p:spPr>
+            <a:xfrm>
+              <a:off x="576262" y="3405187"/>
+              <a:ext cx="4772025" cy="2409825"/>
+            </a:xfrm>
+            <a:custGeom>
+              <a:avLst/>
+              <a:gdLst/>
+              <a:ahLst/>
+              <a:cxnLst/>
+              <a:rect l="l" t="t" r="r" b="b"/>
+              <a:pathLst>
+                <a:path w="4772025" h="2409825">
+                  <a:moveTo>
+                    <a:pt x="4687478" y="2409824"/>
+                  </a:moveTo>
+                  <a:lnTo>
+                    <a:pt x="84545" y="2409824"/>
+                  </a:lnTo>
+                  <a:lnTo>
+                    <a:pt x="78661" y="2409245"/>
+                  </a:lnTo>
+                  <a:lnTo>
+                    <a:pt x="35275" y="2391273"/>
+                  </a:lnTo>
+                  <a:lnTo>
+                    <a:pt x="9161" y="2359454"/>
+                  </a:lnTo>
+                  <a:lnTo>
+                    <a:pt x="0" y="2325278"/>
+                  </a:lnTo>
+                  <a:lnTo>
+                    <a:pt x="0" y="2319337"/>
+                  </a:lnTo>
+                  <a:lnTo>
+                    <a:pt x="0" y="84545"/>
+                  </a:lnTo>
+                  <a:lnTo>
+                    <a:pt x="11948" y="45154"/>
+                  </a:lnTo>
+                  <a:lnTo>
+                    <a:pt x="45155" y="11948"/>
+                  </a:lnTo>
+                  <a:lnTo>
+                    <a:pt x="84545" y="0"/>
+                  </a:lnTo>
+                  <a:lnTo>
+                    <a:pt x="4687478" y="0"/>
+                  </a:lnTo>
+                  <a:lnTo>
+                    <a:pt x="4726868" y="11948"/>
+                  </a:lnTo>
+                  <a:lnTo>
+                    <a:pt x="4760075" y="45154"/>
+                  </a:lnTo>
+                  <a:lnTo>
+                    <a:pt x="4772024" y="84545"/>
+                  </a:lnTo>
+                  <a:lnTo>
+                    <a:pt x="4772024" y="2325278"/>
+                  </a:lnTo>
+                  <a:lnTo>
+                    <a:pt x="4760075" y="2364668"/>
+                  </a:lnTo>
+                  <a:lnTo>
+                    <a:pt x="4726868" y="2397875"/>
+                  </a:lnTo>
+                  <a:lnTo>
+                    <a:pt x="4693362" y="2409245"/>
+                  </a:lnTo>
+                  <a:lnTo>
+                    <a:pt x="4687478" y="2409824"/>
+                  </a:lnTo>
+                  <a:close/>
+                </a:path>
+              </a:pathLst>
+            </a:custGeom>
+            <a:solidFill>
+              <a:srgbClr val="20252D">
+                <a:alpha val="70199"/>
+              </a:srgbClr>
+            </a:solidFill>
+          </p:spPr>
+          <p:txBody>
+            <a:bodyPr wrap="square" lIns="0" tIns="0" rIns="0" bIns="0" rtlCol="0"/>
+            <a:lstStyle/>
+            <a:p>
+              <a:endParaRPr/>
+            </a:p>
+          </p:txBody>
+        </p:sp>
+        <p:sp>
+          <p:nvSpPr>
+            <p:cNvPr id="11" name="object 10">
+              <a:extLst>
+                <a:ext uri="{FF2B5EF4-FFF2-40B4-BE49-F238E27FC236}">
+                  <a16:creationId xmlns:a16="http://schemas.microsoft.com/office/drawing/2014/main" id="{710A25B5-3AA4-CFE0-0FE3-309007C136FF}"/>
+                </a:ext>
+              </a:extLst>
+            </p:cNvPr>
+            <p:cNvSpPr/>
+            <p:nvPr/>
+          </p:nvSpPr>
+          <p:spPr>
+            <a:xfrm>
+              <a:off x="576262" y="3405187"/>
+              <a:ext cx="4772025" cy="2409825"/>
+            </a:xfrm>
+            <a:custGeom>
+              <a:avLst/>
+              <a:gdLst/>
+              <a:ahLst/>
+              <a:cxnLst/>
+              <a:rect l="l" t="t" r="r" b="b"/>
+              <a:pathLst>
+                <a:path w="4772025" h="2409825">
+                  <a:moveTo>
+                    <a:pt x="0" y="2319337"/>
+                  </a:moveTo>
+                  <a:lnTo>
+                    <a:pt x="0" y="90487"/>
+                  </a:lnTo>
+                  <a:lnTo>
+                    <a:pt x="0" y="84545"/>
+                  </a:lnTo>
+                  <a:lnTo>
+                    <a:pt x="579" y="78661"/>
+                  </a:lnTo>
+                  <a:lnTo>
+                    <a:pt x="1738" y="72834"/>
+                  </a:lnTo>
+                  <a:lnTo>
+                    <a:pt x="2897" y="67006"/>
+                  </a:lnTo>
+                  <a:lnTo>
+                    <a:pt x="4614" y="61348"/>
+                  </a:lnTo>
+                  <a:lnTo>
+                    <a:pt x="6887" y="55859"/>
+                  </a:lnTo>
+                  <a:lnTo>
+                    <a:pt x="9161" y="50369"/>
+                  </a:lnTo>
+                  <a:lnTo>
+                    <a:pt x="11948" y="45154"/>
+                  </a:lnTo>
+                  <a:lnTo>
+                    <a:pt x="15249" y="40214"/>
+                  </a:lnTo>
+                  <a:lnTo>
+                    <a:pt x="18550" y="35274"/>
+                  </a:lnTo>
+                  <a:lnTo>
+                    <a:pt x="22301" y="30703"/>
+                  </a:lnTo>
+                  <a:lnTo>
+                    <a:pt x="26503" y="26502"/>
+                  </a:lnTo>
+                  <a:lnTo>
+                    <a:pt x="30704" y="22301"/>
+                  </a:lnTo>
+                  <a:lnTo>
+                    <a:pt x="35275" y="18550"/>
+                  </a:lnTo>
+                  <a:lnTo>
+                    <a:pt x="40215" y="15249"/>
+                  </a:lnTo>
+                  <a:lnTo>
+                    <a:pt x="45155" y="11948"/>
+                  </a:lnTo>
+                  <a:lnTo>
+                    <a:pt x="50370" y="9161"/>
+                  </a:lnTo>
+                  <a:lnTo>
+                    <a:pt x="84545" y="0"/>
+                  </a:lnTo>
+                  <a:lnTo>
+                    <a:pt x="90487" y="0"/>
+                  </a:lnTo>
+                  <a:lnTo>
+                    <a:pt x="4681537" y="0"/>
+                  </a:lnTo>
+                  <a:lnTo>
+                    <a:pt x="4687478" y="0"/>
+                  </a:lnTo>
+                  <a:lnTo>
+                    <a:pt x="4693362" y="579"/>
+                  </a:lnTo>
+                  <a:lnTo>
+                    <a:pt x="4731808" y="15249"/>
+                  </a:lnTo>
+                  <a:lnTo>
+                    <a:pt x="4736748" y="18550"/>
+                  </a:lnTo>
+                  <a:lnTo>
+                    <a:pt x="4741319" y="22301"/>
+                  </a:lnTo>
+                  <a:lnTo>
+                    <a:pt x="4745521" y="26502"/>
+                  </a:lnTo>
+                  <a:lnTo>
+                    <a:pt x="4749722" y="30703"/>
+                  </a:lnTo>
+                  <a:lnTo>
+                    <a:pt x="4765136" y="55859"/>
+                  </a:lnTo>
+                  <a:lnTo>
+                    <a:pt x="4767409" y="61348"/>
+                  </a:lnTo>
+                  <a:lnTo>
+                    <a:pt x="4769125" y="67006"/>
+                  </a:lnTo>
+                  <a:lnTo>
+                    <a:pt x="4770285" y="72833"/>
+                  </a:lnTo>
+                  <a:lnTo>
+                    <a:pt x="4771445" y="78661"/>
+                  </a:lnTo>
+                  <a:lnTo>
+                    <a:pt x="4772024" y="84545"/>
+                  </a:lnTo>
+                  <a:lnTo>
+                    <a:pt x="4772024" y="90487"/>
+                  </a:lnTo>
+                  <a:lnTo>
+                    <a:pt x="4772024" y="2319337"/>
+                  </a:lnTo>
+                  <a:lnTo>
+                    <a:pt x="4772024" y="2325278"/>
+                  </a:lnTo>
+                  <a:lnTo>
+                    <a:pt x="4771445" y="2331162"/>
+                  </a:lnTo>
+                  <a:lnTo>
+                    <a:pt x="4770285" y="2336989"/>
+                  </a:lnTo>
+                  <a:lnTo>
+                    <a:pt x="4769125" y="2342817"/>
+                  </a:lnTo>
+                  <a:lnTo>
+                    <a:pt x="4767409" y="2348475"/>
+                  </a:lnTo>
+                  <a:lnTo>
+                    <a:pt x="4765136" y="2353964"/>
+                  </a:lnTo>
+                  <a:lnTo>
+                    <a:pt x="4762862" y="2359454"/>
+                  </a:lnTo>
+                  <a:lnTo>
+                    <a:pt x="4760075" y="2364668"/>
+                  </a:lnTo>
+                  <a:lnTo>
+                    <a:pt x="4756774" y="2369608"/>
+                  </a:lnTo>
+                  <a:lnTo>
+                    <a:pt x="4753473" y="2374549"/>
+                  </a:lnTo>
+                  <a:lnTo>
+                    <a:pt x="4749722" y="2379119"/>
+                  </a:lnTo>
+                  <a:lnTo>
+                    <a:pt x="4745521" y="2383321"/>
+                  </a:lnTo>
+                  <a:lnTo>
+                    <a:pt x="4741319" y="2387522"/>
+                  </a:lnTo>
+                  <a:lnTo>
+                    <a:pt x="4736748" y="2391273"/>
+                  </a:lnTo>
+                  <a:lnTo>
+                    <a:pt x="4731808" y="2394574"/>
+                  </a:lnTo>
+                  <a:lnTo>
+                    <a:pt x="4726868" y="2397875"/>
+                  </a:lnTo>
+                  <a:lnTo>
+                    <a:pt x="4721653" y="2400662"/>
+                  </a:lnTo>
+                  <a:lnTo>
+                    <a:pt x="4716164" y="2402936"/>
+                  </a:lnTo>
+                  <a:lnTo>
+                    <a:pt x="4710675" y="2405209"/>
+                  </a:lnTo>
+                  <a:lnTo>
+                    <a:pt x="4705017" y="2406926"/>
+                  </a:lnTo>
+                  <a:lnTo>
+                    <a:pt x="4699189" y="2408085"/>
+                  </a:lnTo>
+                  <a:lnTo>
+                    <a:pt x="4693362" y="2409245"/>
+                  </a:lnTo>
+                  <a:lnTo>
+                    <a:pt x="4687478" y="2409824"/>
+                  </a:lnTo>
+                  <a:lnTo>
+                    <a:pt x="4681537" y="2409824"/>
+                  </a:lnTo>
+                  <a:lnTo>
+                    <a:pt x="90487" y="2409824"/>
+                  </a:lnTo>
+                  <a:lnTo>
+                    <a:pt x="84545" y="2409824"/>
+                  </a:lnTo>
+                  <a:lnTo>
+                    <a:pt x="78661" y="2409245"/>
+                  </a:lnTo>
+                  <a:lnTo>
+                    <a:pt x="72834" y="2408085"/>
+                  </a:lnTo>
+                  <a:lnTo>
+                    <a:pt x="67006" y="2406926"/>
+                  </a:lnTo>
+                  <a:lnTo>
+                    <a:pt x="61348" y="2405209"/>
+                  </a:lnTo>
+                  <a:lnTo>
+                    <a:pt x="55859" y="2402936"/>
+                  </a:lnTo>
+                  <a:lnTo>
+                    <a:pt x="50370" y="2400662"/>
+                  </a:lnTo>
+                  <a:lnTo>
+                    <a:pt x="26503" y="2383321"/>
+                  </a:lnTo>
+                  <a:lnTo>
+                    <a:pt x="22301" y="2379119"/>
+                  </a:lnTo>
+                  <a:lnTo>
+                    <a:pt x="18550" y="2374549"/>
+                  </a:lnTo>
+                  <a:lnTo>
+                    <a:pt x="15249" y="2369608"/>
+                  </a:lnTo>
+                  <a:lnTo>
+                    <a:pt x="11948" y="2364668"/>
+                  </a:lnTo>
+                  <a:lnTo>
+                    <a:pt x="1738" y="2336989"/>
+                  </a:lnTo>
+                  <a:lnTo>
+                    <a:pt x="579" y="2331162"/>
+                  </a:lnTo>
+                  <a:lnTo>
+                    <a:pt x="0" y="2325278"/>
+                  </a:lnTo>
+                  <a:lnTo>
+                    <a:pt x="0" y="2319337"/>
+                  </a:lnTo>
+                  <a:close/>
+                </a:path>
+              </a:pathLst>
+            </a:custGeom>
+            <a:ln w="9524">
+              <a:solidFill>
+                <a:srgbClr val="2F363C"/>
+              </a:solidFill>
+            </a:ln>
+          </p:spPr>
+          <p:txBody>
+            <a:bodyPr wrap="square" lIns="0" tIns="0" rIns="0" bIns="0" rtlCol="0"/>
+            <a:lstStyle/>
+            <a:p>
+              <a:endParaRPr/>
+            </a:p>
+          </p:txBody>
+        </p:sp>
+      </p:grpSp>
+      <p:sp>
+        <p:nvSpPr>
+          <p:cNvPr id="15" name="object 14">
+            <a:extLst>
+              <a:ext uri="{FF2B5EF4-FFF2-40B4-BE49-F238E27FC236}">
+                <a16:creationId xmlns:a16="http://schemas.microsoft.com/office/drawing/2014/main" id="{73F87E62-968A-C058-8824-CF1A5B43E753}"/>
+              </a:ext>
+            </a:extLst>
+          </p:cNvPr>
+          <p:cNvSpPr txBox="1"/>
+          <p:nvPr/>
+        </p:nvSpPr>
+        <p:spPr>
+          <a:xfrm>
+            <a:off x="806449" y="1764241"/>
+            <a:ext cx="4199890" cy="1033144"/>
+          </a:xfrm>
+          <a:prstGeom prst="rect">
+            <a:avLst/>
+          </a:prstGeom>
+        </p:spPr>
+        <p:txBody>
+          <a:bodyPr vert="horz" wrap="square" lIns="0" tIns="13335" rIns="0" bIns="0" rtlCol="0">
+            <a:spAutoFit/>
+          </a:bodyPr>
+          <a:lstStyle/>
+          <a:p>
+            <a:pPr marL="12700">
+              <a:lnSpc>
+                <a:spcPct val="100000"/>
+              </a:lnSpc>
+              <a:spcBef>
+                <a:spcPts val="105"/>
+              </a:spcBef>
+            </a:pPr>
+            <a:r>
+              <a:rPr sz="1900" b="1" spc="-335" dirty="0">
+                <a:solidFill>
+                  <a:srgbClr val="58A6FF"/>
+                </a:solidFill>
+                <a:latin typeface="Malgun Gothic"/>
+                <a:cs typeface="Malgun Gothic"/>
+              </a:rPr>
+              <a:t>백포팅이란</a:t>
+            </a:r>
+            <a:r>
+              <a:rPr sz="1900" b="1" spc="-335" dirty="0">
+                <a:solidFill>
+                  <a:srgbClr val="58A6FF"/>
+                </a:solidFill>
+                <a:latin typeface="Noto Sans JP"/>
+                <a:cs typeface="Noto Sans JP"/>
+              </a:rPr>
+              <a:t>?</a:t>
+            </a:r>
+            <a:endParaRPr sz="1900" dirty="0">
+              <a:latin typeface="Noto Sans JP"/>
+              <a:cs typeface="Noto Sans JP"/>
+            </a:endParaRPr>
+          </a:p>
+          <a:p>
+            <a:pPr marL="12700" marR="5080">
+              <a:lnSpc>
+                <a:spcPct val="117200"/>
+              </a:lnSpc>
+              <a:spcBef>
+                <a:spcPts val="1140"/>
+              </a:spcBef>
+            </a:pPr>
+            <a:r>
+              <a:rPr sz="1600" spc="-295" dirty="0">
+                <a:solidFill>
+                  <a:srgbClr val="C8D0D9"/>
+                </a:solidFill>
+                <a:latin typeface="Dotum"/>
+                <a:cs typeface="Dotum"/>
+              </a:rPr>
+              <a:t>최신</a:t>
+            </a:r>
+            <a:r>
+              <a:rPr sz="1600" spc="-125" dirty="0">
+                <a:solidFill>
+                  <a:srgbClr val="C8D0D9"/>
+                </a:solidFill>
+                <a:latin typeface="Dotum"/>
+                <a:cs typeface="Dotum"/>
+              </a:rPr>
+              <a:t> </a:t>
+            </a:r>
+            <a:r>
+              <a:rPr sz="1600" spc="-295" dirty="0">
+                <a:solidFill>
+                  <a:srgbClr val="C8D0D9"/>
+                </a:solidFill>
+                <a:latin typeface="Dotum"/>
+                <a:cs typeface="Dotum"/>
+              </a:rPr>
+              <a:t>소프트웨어의</a:t>
+            </a:r>
+            <a:r>
+              <a:rPr sz="1600" spc="-125" dirty="0">
+                <a:solidFill>
+                  <a:srgbClr val="C8D0D9"/>
+                </a:solidFill>
+                <a:latin typeface="Dotum"/>
+                <a:cs typeface="Dotum"/>
+              </a:rPr>
+              <a:t> </a:t>
+            </a:r>
+            <a:r>
+              <a:rPr sz="1600" spc="-295" dirty="0">
+                <a:solidFill>
+                  <a:srgbClr val="C8D0D9"/>
+                </a:solidFill>
+                <a:latin typeface="Dotum"/>
+                <a:cs typeface="Dotum"/>
+              </a:rPr>
+              <a:t>기능이나</a:t>
+            </a:r>
+            <a:r>
+              <a:rPr sz="1600" spc="-125" dirty="0">
+                <a:solidFill>
+                  <a:srgbClr val="C8D0D9"/>
+                </a:solidFill>
+                <a:latin typeface="Dotum"/>
+                <a:cs typeface="Dotum"/>
+              </a:rPr>
+              <a:t> </a:t>
+            </a:r>
+            <a:r>
+              <a:rPr sz="1600" spc="-295" dirty="0">
+                <a:solidFill>
+                  <a:srgbClr val="C8D0D9"/>
+                </a:solidFill>
+                <a:latin typeface="Dotum"/>
+                <a:cs typeface="Dotum"/>
+              </a:rPr>
+              <a:t>수정</a:t>
+            </a:r>
+            <a:r>
+              <a:rPr sz="1600" spc="-120" dirty="0">
+                <a:solidFill>
+                  <a:srgbClr val="C8D0D9"/>
+                </a:solidFill>
+                <a:latin typeface="Dotum"/>
+                <a:cs typeface="Dotum"/>
+              </a:rPr>
+              <a:t> </a:t>
+            </a:r>
+            <a:r>
+              <a:rPr sz="1600" spc="-295" dirty="0">
+                <a:solidFill>
+                  <a:srgbClr val="C8D0D9"/>
+                </a:solidFill>
+                <a:latin typeface="Dotum"/>
+                <a:cs typeface="Dotum"/>
+              </a:rPr>
+              <a:t>사항을</a:t>
+            </a:r>
+            <a:r>
+              <a:rPr sz="1600" spc="-125" dirty="0">
+                <a:solidFill>
+                  <a:srgbClr val="C8D0D9"/>
+                </a:solidFill>
+                <a:latin typeface="Dotum"/>
+                <a:cs typeface="Dotum"/>
+              </a:rPr>
+              <a:t> </a:t>
+            </a:r>
+            <a:r>
+              <a:rPr sz="1600" spc="-295" dirty="0">
+                <a:solidFill>
+                  <a:srgbClr val="C8D0D9"/>
+                </a:solidFill>
+                <a:latin typeface="Dotum"/>
+                <a:cs typeface="Dotum"/>
+              </a:rPr>
+              <a:t>이전</a:t>
+            </a:r>
+            <a:r>
+              <a:rPr sz="1600" spc="-125" dirty="0">
+                <a:solidFill>
+                  <a:srgbClr val="C8D0D9"/>
+                </a:solidFill>
+                <a:latin typeface="Dotum"/>
+                <a:cs typeface="Dotum"/>
+              </a:rPr>
+              <a:t> </a:t>
+            </a:r>
+            <a:r>
+              <a:rPr sz="1600" spc="-315" dirty="0">
+                <a:solidFill>
+                  <a:srgbClr val="C8D0D9"/>
+                </a:solidFill>
+                <a:latin typeface="Dotum"/>
+                <a:cs typeface="Dotum"/>
+              </a:rPr>
+              <a:t>버전으로 </a:t>
+            </a:r>
+            <a:r>
+              <a:rPr sz="1600" spc="-295" dirty="0">
+                <a:solidFill>
+                  <a:srgbClr val="C8D0D9"/>
+                </a:solidFill>
+                <a:latin typeface="Dotum"/>
+                <a:cs typeface="Dotum"/>
+              </a:rPr>
+              <a:t>적용하는</a:t>
+            </a:r>
+            <a:r>
+              <a:rPr sz="1600" spc="-125" dirty="0">
+                <a:solidFill>
+                  <a:srgbClr val="C8D0D9"/>
+                </a:solidFill>
+                <a:latin typeface="Dotum"/>
+                <a:cs typeface="Dotum"/>
+              </a:rPr>
+              <a:t> </a:t>
+            </a:r>
+            <a:r>
+              <a:rPr sz="1600" spc="-330" dirty="0">
+                <a:solidFill>
+                  <a:srgbClr val="C8D0D9"/>
+                </a:solidFill>
+                <a:latin typeface="Dotum"/>
+                <a:cs typeface="Dotum"/>
+              </a:rPr>
+              <a:t>작업</a:t>
+            </a:r>
+            <a:endParaRPr sz="1600" dirty="0">
+              <a:latin typeface="Dotum"/>
+              <a:cs typeface="Dotum"/>
+            </a:endParaRPr>
+          </a:p>
+        </p:txBody>
+      </p:sp>
+      <p:sp>
+        <p:nvSpPr>
+          <p:cNvPr id="16" name="object 15">
+            <a:extLst>
+              <a:ext uri="{FF2B5EF4-FFF2-40B4-BE49-F238E27FC236}">
+                <a16:creationId xmlns:a16="http://schemas.microsoft.com/office/drawing/2014/main" id="{5B56A9ED-DA4C-D449-72FD-F86E080ED3DA}"/>
+              </a:ext>
+            </a:extLst>
+          </p:cNvPr>
+          <p:cNvSpPr txBox="1"/>
+          <p:nvPr/>
+        </p:nvSpPr>
+        <p:spPr>
+          <a:xfrm>
+            <a:off x="806449" y="3640666"/>
+            <a:ext cx="4302760" cy="1766570"/>
+          </a:xfrm>
+          <a:prstGeom prst="rect">
+            <a:avLst/>
+          </a:prstGeom>
+        </p:spPr>
+        <p:txBody>
+          <a:bodyPr vert="horz" wrap="square" lIns="0" tIns="13335" rIns="0" bIns="0" rtlCol="0">
+            <a:spAutoFit/>
+          </a:bodyPr>
+          <a:lstStyle/>
+          <a:p>
+            <a:pPr marL="12700">
+              <a:lnSpc>
+                <a:spcPct val="100000"/>
+              </a:lnSpc>
+              <a:spcBef>
+                <a:spcPts val="105"/>
+              </a:spcBef>
+            </a:pPr>
+            <a:r>
+              <a:rPr sz="1900" b="1" spc="-365" dirty="0">
+                <a:solidFill>
+                  <a:srgbClr val="58A6FF"/>
+                </a:solidFill>
+                <a:latin typeface="Malgun Gothic"/>
+                <a:cs typeface="Malgun Gothic"/>
+              </a:rPr>
+              <a:t>팀의</a:t>
+            </a:r>
+            <a:r>
+              <a:rPr sz="1900" b="1" spc="-200" dirty="0">
+                <a:solidFill>
+                  <a:srgbClr val="58A6FF"/>
+                </a:solidFill>
+                <a:latin typeface="Malgun Gothic"/>
+                <a:cs typeface="Malgun Gothic"/>
+              </a:rPr>
+              <a:t> </a:t>
+            </a:r>
+            <a:r>
+              <a:rPr sz="1900" b="1" spc="-365" dirty="0">
+                <a:solidFill>
+                  <a:srgbClr val="58A6FF"/>
+                </a:solidFill>
+                <a:latin typeface="Malgun Gothic"/>
+                <a:cs typeface="Malgun Gothic"/>
+              </a:rPr>
+              <a:t>백포팅</a:t>
+            </a:r>
+            <a:r>
+              <a:rPr sz="1900" b="1" spc="-200" dirty="0">
+                <a:solidFill>
+                  <a:srgbClr val="58A6FF"/>
+                </a:solidFill>
+                <a:latin typeface="Malgun Gothic"/>
+                <a:cs typeface="Malgun Gothic"/>
+              </a:rPr>
+              <a:t> </a:t>
+            </a:r>
+            <a:r>
+              <a:rPr sz="1900" b="1" spc="-365" dirty="0">
+                <a:solidFill>
+                  <a:srgbClr val="58A6FF"/>
+                </a:solidFill>
+                <a:latin typeface="Malgun Gothic"/>
+                <a:cs typeface="Malgun Gothic"/>
+              </a:rPr>
+              <a:t>전략</a:t>
+            </a:r>
+            <a:r>
+              <a:rPr sz="1900" b="1" spc="-200" dirty="0">
+                <a:solidFill>
+                  <a:srgbClr val="58A6FF"/>
+                </a:solidFill>
+                <a:latin typeface="Malgun Gothic"/>
+                <a:cs typeface="Malgun Gothic"/>
+              </a:rPr>
+              <a:t> </a:t>
+            </a:r>
+            <a:r>
+              <a:rPr sz="1900" b="1" dirty="0">
+                <a:solidFill>
+                  <a:srgbClr val="58A6FF"/>
+                </a:solidFill>
+                <a:latin typeface="Noto Sans JP"/>
+                <a:cs typeface="Noto Sans JP"/>
+              </a:rPr>
+              <a:t>-</a:t>
+            </a:r>
+            <a:r>
+              <a:rPr sz="1900" b="1" spc="-45" dirty="0">
+                <a:solidFill>
+                  <a:srgbClr val="58A6FF"/>
+                </a:solidFill>
+                <a:latin typeface="Noto Sans JP"/>
+                <a:cs typeface="Noto Sans JP"/>
+              </a:rPr>
+              <a:t> </a:t>
+            </a:r>
+            <a:r>
+              <a:rPr sz="1900" b="1" spc="-280" dirty="0">
+                <a:solidFill>
+                  <a:srgbClr val="58A6FF"/>
+                </a:solidFill>
+                <a:latin typeface="Noto Sans JP"/>
+                <a:cs typeface="Noto Sans JP"/>
+              </a:rPr>
+              <a:t>'</a:t>
+            </a:r>
+            <a:r>
+              <a:rPr sz="1900" b="1" spc="-280" dirty="0">
+                <a:solidFill>
+                  <a:srgbClr val="58A6FF"/>
+                </a:solidFill>
+                <a:latin typeface="Malgun Gothic"/>
+                <a:cs typeface="Malgun Gothic"/>
+              </a:rPr>
+              <a:t>기차놀이</a:t>
+            </a:r>
+            <a:r>
+              <a:rPr sz="1900" b="1" spc="-280" dirty="0">
+                <a:solidFill>
+                  <a:srgbClr val="58A6FF"/>
+                </a:solidFill>
+                <a:latin typeface="Noto Sans JP"/>
+                <a:cs typeface="Noto Sans JP"/>
+              </a:rPr>
+              <a:t>'</a:t>
+            </a:r>
+            <a:endParaRPr sz="1900" dirty="0">
+              <a:latin typeface="Noto Sans JP"/>
+              <a:cs typeface="Noto Sans JP"/>
+            </a:endParaRPr>
+          </a:p>
+          <a:p>
+            <a:pPr marL="12700" marR="5080">
+              <a:lnSpc>
+                <a:spcPct val="117200"/>
+              </a:lnSpc>
+              <a:spcBef>
+                <a:spcPts val="1140"/>
+              </a:spcBef>
+            </a:pPr>
+            <a:r>
+              <a:rPr sz="1600" spc="-295" dirty="0">
+                <a:solidFill>
+                  <a:srgbClr val="58A6FF"/>
+                </a:solidFill>
+                <a:latin typeface="Dotum"/>
+                <a:cs typeface="Dotum"/>
+              </a:rPr>
+              <a:t>앞쪽</a:t>
+            </a:r>
+            <a:r>
+              <a:rPr sz="1600" spc="-125" dirty="0">
+                <a:solidFill>
+                  <a:srgbClr val="58A6FF"/>
+                </a:solidFill>
+                <a:latin typeface="Dotum"/>
+                <a:cs typeface="Dotum"/>
+              </a:rPr>
+              <a:t> </a:t>
+            </a:r>
+            <a:r>
+              <a:rPr sz="1600" spc="-295" dirty="0">
+                <a:solidFill>
+                  <a:srgbClr val="58A6FF"/>
+                </a:solidFill>
+                <a:latin typeface="Dotum"/>
+                <a:cs typeface="Dotum"/>
+              </a:rPr>
+              <a:t>날짜</a:t>
+            </a:r>
+            <a:r>
+              <a:rPr sz="1600" spc="-125" dirty="0">
+                <a:solidFill>
+                  <a:srgbClr val="58A6FF"/>
+                </a:solidFill>
+                <a:latin typeface="Dotum"/>
+                <a:cs typeface="Dotum"/>
+              </a:rPr>
+              <a:t> </a:t>
+            </a:r>
+            <a:r>
+              <a:rPr sz="1600" spc="-295" dirty="0">
+                <a:solidFill>
+                  <a:srgbClr val="C8D0D9"/>
+                </a:solidFill>
+                <a:latin typeface="Dotum"/>
+                <a:cs typeface="Dotum"/>
+              </a:rPr>
+              <a:t>배포</a:t>
+            </a:r>
+            <a:r>
+              <a:rPr sz="1600" spc="-125" dirty="0">
+                <a:solidFill>
+                  <a:srgbClr val="C8D0D9"/>
+                </a:solidFill>
+                <a:latin typeface="Dotum"/>
+                <a:cs typeface="Dotum"/>
+              </a:rPr>
+              <a:t> </a:t>
+            </a:r>
+            <a:r>
+              <a:rPr sz="1600" spc="-295" dirty="0">
+                <a:solidFill>
+                  <a:srgbClr val="C8D0D9"/>
+                </a:solidFill>
+                <a:latin typeface="Dotum"/>
+                <a:cs typeface="Dotum"/>
+              </a:rPr>
+              <a:t>브랜치의</a:t>
+            </a:r>
+            <a:r>
+              <a:rPr sz="1600" spc="-125" dirty="0">
+                <a:solidFill>
+                  <a:srgbClr val="C8D0D9"/>
+                </a:solidFill>
+                <a:latin typeface="Dotum"/>
+                <a:cs typeface="Dotum"/>
+              </a:rPr>
+              <a:t> </a:t>
+            </a:r>
+            <a:r>
+              <a:rPr sz="1600" spc="-295" dirty="0">
+                <a:solidFill>
+                  <a:srgbClr val="C8D0D9"/>
+                </a:solidFill>
+                <a:latin typeface="Dotum"/>
+                <a:cs typeface="Dotum"/>
+              </a:rPr>
+              <a:t>변경사항을</a:t>
+            </a:r>
+            <a:r>
+              <a:rPr sz="1600" spc="-125" dirty="0">
+                <a:solidFill>
+                  <a:srgbClr val="C8D0D9"/>
+                </a:solidFill>
+                <a:latin typeface="Dotum"/>
+                <a:cs typeface="Dotum"/>
+              </a:rPr>
+              <a:t> </a:t>
+            </a:r>
+            <a:r>
+              <a:rPr sz="1600" spc="-295" dirty="0">
+                <a:solidFill>
+                  <a:srgbClr val="58A6FF"/>
+                </a:solidFill>
+                <a:latin typeface="Dotum"/>
+                <a:cs typeface="Dotum"/>
+              </a:rPr>
+              <a:t>뒤쪽</a:t>
+            </a:r>
+            <a:r>
+              <a:rPr sz="1600" spc="-125" dirty="0">
+                <a:solidFill>
+                  <a:srgbClr val="58A6FF"/>
+                </a:solidFill>
+                <a:latin typeface="Dotum"/>
+                <a:cs typeface="Dotum"/>
+              </a:rPr>
+              <a:t> </a:t>
+            </a:r>
+            <a:r>
+              <a:rPr sz="1600" spc="-295" dirty="0">
+                <a:solidFill>
+                  <a:srgbClr val="58A6FF"/>
+                </a:solidFill>
+                <a:latin typeface="Dotum"/>
+                <a:cs typeface="Dotum"/>
+              </a:rPr>
+              <a:t>날짜</a:t>
+            </a:r>
+            <a:r>
+              <a:rPr sz="1600" spc="-125" dirty="0">
+                <a:solidFill>
+                  <a:srgbClr val="58A6FF"/>
+                </a:solidFill>
+                <a:latin typeface="Dotum"/>
+                <a:cs typeface="Dotum"/>
+              </a:rPr>
+              <a:t> </a:t>
+            </a:r>
+            <a:r>
+              <a:rPr sz="1600" spc="-295" dirty="0">
+                <a:solidFill>
+                  <a:srgbClr val="C8D0D9"/>
+                </a:solidFill>
+                <a:latin typeface="Dotum"/>
+                <a:cs typeface="Dotum"/>
+              </a:rPr>
+              <a:t>배포</a:t>
+            </a:r>
+            <a:r>
+              <a:rPr sz="1600" spc="-125" dirty="0">
+                <a:solidFill>
+                  <a:srgbClr val="C8D0D9"/>
+                </a:solidFill>
+                <a:latin typeface="Dotum"/>
+                <a:cs typeface="Dotum"/>
+              </a:rPr>
+              <a:t> </a:t>
+            </a:r>
+            <a:r>
+              <a:rPr sz="1600" spc="-320" dirty="0">
+                <a:solidFill>
+                  <a:srgbClr val="C8D0D9"/>
+                </a:solidFill>
+                <a:latin typeface="Dotum"/>
+                <a:cs typeface="Dotum"/>
+              </a:rPr>
+              <a:t>브랜 </a:t>
+            </a:r>
+            <a:r>
+              <a:rPr sz="1600" spc="-295" dirty="0">
+                <a:solidFill>
+                  <a:srgbClr val="C8D0D9"/>
+                </a:solidFill>
+                <a:latin typeface="Dotum"/>
+                <a:cs typeface="Dotum"/>
+              </a:rPr>
+              <a:t>치에</a:t>
+            </a:r>
+            <a:r>
+              <a:rPr sz="1600" spc="-130" dirty="0">
+                <a:solidFill>
+                  <a:srgbClr val="C8D0D9"/>
+                </a:solidFill>
+                <a:latin typeface="Dotum"/>
+                <a:cs typeface="Dotum"/>
+              </a:rPr>
+              <a:t> </a:t>
+            </a:r>
+            <a:r>
+              <a:rPr sz="1600" spc="-315" dirty="0">
+                <a:solidFill>
+                  <a:srgbClr val="C8D0D9"/>
+                </a:solidFill>
+                <a:latin typeface="Dotum"/>
+                <a:cs typeface="Dotum"/>
+              </a:rPr>
+              <a:t>리베이스</a:t>
+            </a:r>
+            <a:endParaRPr sz="1600" dirty="0">
+              <a:latin typeface="Dotum"/>
+              <a:cs typeface="Dotum"/>
+            </a:endParaRPr>
+          </a:p>
+          <a:p>
+            <a:pPr marL="12700" marR="55880">
+              <a:lnSpc>
+                <a:spcPct val="121100"/>
+              </a:lnSpc>
+              <a:spcBef>
+                <a:spcPts val="1125"/>
+              </a:spcBef>
+            </a:pPr>
+            <a:r>
+              <a:rPr sz="1600" spc="-290" dirty="0">
+                <a:solidFill>
+                  <a:srgbClr val="C8D0D9"/>
+                </a:solidFill>
+                <a:latin typeface="Dotum"/>
+                <a:cs typeface="Dotum"/>
+              </a:rPr>
+              <a:t>이</a:t>
+            </a:r>
+            <a:r>
+              <a:rPr sz="1600" spc="-125" dirty="0">
+                <a:solidFill>
+                  <a:srgbClr val="C8D0D9"/>
+                </a:solidFill>
+                <a:latin typeface="Dotum"/>
+                <a:cs typeface="Dotum"/>
+              </a:rPr>
+              <a:t> </a:t>
+            </a:r>
+            <a:r>
+              <a:rPr sz="1600" spc="-295" dirty="0">
+                <a:solidFill>
+                  <a:srgbClr val="C8D0D9"/>
+                </a:solidFill>
+                <a:latin typeface="Dotum"/>
+                <a:cs typeface="Dotum"/>
+              </a:rPr>
+              <a:t>과정을</a:t>
+            </a:r>
+            <a:r>
+              <a:rPr sz="1600" spc="-125" dirty="0">
+                <a:solidFill>
+                  <a:srgbClr val="C8D0D9"/>
+                </a:solidFill>
+                <a:latin typeface="Dotum"/>
+                <a:cs typeface="Dotum"/>
+              </a:rPr>
+              <a:t> </a:t>
+            </a:r>
+            <a:r>
+              <a:rPr sz="1600" spc="-295" dirty="0">
+                <a:solidFill>
+                  <a:srgbClr val="C8D0D9"/>
+                </a:solidFill>
+                <a:latin typeface="Dotum"/>
+                <a:cs typeface="Dotum"/>
+              </a:rPr>
+              <a:t>연쇄적으로</a:t>
+            </a:r>
+            <a:r>
+              <a:rPr sz="1600" spc="-125" dirty="0">
+                <a:solidFill>
+                  <a:srgbClr val="C8D0D9"/>
+                </a:solidFill>
+                <a:latin typeface="Dotum"/>
+                <a:cs typeface="Dotum"/>
+              </a:rPr>
+              <a:t> </a:t>
+            </a:r>
+            <a:r>
+              <a:rPr sz="1600" spc="-295" dirty="0">
+                <a:solidFill>
+                  <a:srgbClr val="C8D0D9"/>
+                </a:solidFill>
+                <a:latin typeface="Dotum"/>
+                <a:cs typeface="Dotum"/>
+              </a:rPr>
+              <a:t>수행하여</a:t>
+            </a:r>
+            <a:r>
+              <a:rPr sz="1600" spc="-125" dirty="0">
+                <a:solidFill>
+                  <a:srgbClr val="C8D0D9"/>
+                </a:solidFill>
+                <a:latin typeface="Dotum"/>
+                <a:cs typeface="Dotum"/>
+              </a:rPr>
+              <a:t> </a:t>
+            </a:r>
+            <a:r>
+              <a:rPr sz="1600" spc="-295" dirty="0">
+                <a:solidFill>
+                  <a:srgbClr val="58A6FF"/>
+                </a:solidFill>
+                <a:latin typeface="Dotum"/>
+                <a:cs typeface="Dotum"/>
+              </a:rPr>
+              <a:t>가장</a:t>
+            </a:r>
+            <a:r>
+              <a:rPr sz="1600" spc="-125" dirty="0">
+                <a:solidFill>
+                  <a:srgbClr val="58A6FF"/>
+                </a:solidFill>
+                <a:latin typeface="Dotum"/>
+                <a:cs typeface="Dotum"/>
+              </a:rPr>
+              <a:t> </a:t>
+            </a:r>
+            <a:r>
+              <a:rPr sz="1600" spc="-295" dirty="0">
+                <a:solidFill>
+                  <a:srgbClr val="58A6FF"/>
+                </a:solidFill>
+                <a:latin typeface="Dotum"/>
+                <a:cs typeface="Dotum"/>
+              </a:rPr>
+              <a:t>마지막</a:t>
+            </a:r>
+            <a:r>
+              <a:rPr sz="1600" spc="-125" dirty="0">
+                <a:solidFill>
+                  <a:srgbClr val="58A6FF"/>
+                </a:solidFill>
+                <a:latin typeface="Dotum"/>
+                <a:cs typeface="Dotum"/>
+              </a:rPr>
+              <a:t> </a:t>
+            </a:r>
+            <a:r>
+              <a:rPr sz="1600" spc="-295" dirty="0">
+                <a:solidFill>
+                  <a:srgbClr val="58A6FF"/>
+                </a:solidFill>
+                <a:latin typeface="Dotum"/>
+                <a:cs typeface="Dotum"/>
+              </a:rPr>
+              <a:t>배포</a:t>
+            </a:r>
+            <a:r>
+              <a:rPr sz="1600" spc="-125" dirty="0">
+                <a:solidFill>
+                  <a:srgbClr val="58A6FF"/>
+                </a:solidFill>
+                <a:latin typeface="Dotum"/>
+                <a:cs typeface="Dotum"/>
+              </a:rPr>
+              <a:t> </a:t>
+            </a:r>
+            <a:r>
+              <a:rPr sz="1600" spc="-320" dirty="0">
+                <a:solidFill>
+                  <a:srgbClr val="58A6FF"/>
+                </a:solidFill>
+                <a:latin typeface="Dotum"/>
+                <a:cs typeface="Dotum"/>
+              </a:rPr>
+              <a:t>브랜치 </a:t>
+            </a:r>
+            <a:r>
+              <a:rPr sz="1600" spc="-295" dirty="0">
+                <a:solidFill>
+                  <a:srgbClr val="C8D0D9"/>
+                </a:solidFill>
+                <a:latin typeface="Dotum"/>
+                <a:cs typeface="Dotum"/>
+              </a:rPr>
+              <a:t>에는</a:t>
+            </a:r>
+            <a:r>
+              <a:rPr sz="1600" spc="-125" dirty="0">
+                <a:solidFill>
+                  <a:srgbClr val="C8D0D9"/>
+                </a:solidFill>
+                <a:latin typeface="Dotum"/>
+                <a:cs typeface="Dotum"/>
+              </a:rPr>
+              <a:t> </a:t>
+            </a:r>
+            <a:r>
+              <a:rPr sz="1600" spc="-295" dirty="0">
+                <a:solidFill>
+                  <a:srgbClr val="58A6FF"/>
+                </a:solidFill>
+                <a:latin typeface="Dotum"/>
+                <a:cs typeface="Dotum"/>
+              </a:rPr>
+              <a:t>모든</a:t>
+            </a:r>
+            <a:r>
+              <a:rPr sz="1600" spc="-125" dirty="0">
+                <a:solidFill>
+                  <a:srgbClr val="58A6FF"/>
+                </a:solidFill>
+                <a:latin typeface="Dotum"/>
+                <a:cs typeface="Dotum"/>
+              </a:rPr>
+              <a:t> </a:t>
+            </a:r>
+            <a:r>
+              <a:rPr sz="1600" spc="-295" dirty="0">
+                <a:solidFill>
+                  <a:srgbClr val="58A6FF"/>
+                </a:solidFill>
+                <a:latin typeface="Dotum"/>
+                <a:cs typeface="Dotum"/>
+              </a:rPr>
+              <a:t>기능</a:t>
+            </a:r>
+            <a:r>
+              <a:rPr sz="1600" spc="-295" dirty="0">
+                <a:solidFill>
+                  <a:srgbClr val="C8D0D9"/>
+                </a:solidFill>
+                <a:latin typeface="Dotum"/>
+                <a:cs typeface="Dotum"/>
+              </a:rPr>
+              <a:t>이</a:t>
+            </a:r>
+            <a:r>
+              <a:rPr sz="1600" spc="-125" dirty="0">
+                <a:solidFill>
+                  <a:srgbClr val="C8D0D9"/>
+                </a:solidFill>
+                <a:latin typeface="Dotum"/>
+                <a:cs typeface="Dotum"/>
+              </a:rPr>
+              <a:t> </a:t>
+            </a:r>
+            <a:r>
+              <a:rPr sz="1600" spc="-295" dirty="0">
+                <a:solidFill>
+                  <a:srgbClr val="C8D0D9"/>
+                </a:solidFill>
+                <a:latin typeface="Dotum"/>
+                <a:cs typeface="Dotum"/>
+              </a:rPr>
+              <a:t>포함되도록</a:t>
+            </a:r>
+            <a:r>
+              <a:rPr sz="1600" spc="-125" dirty="0">
+                <a:solidFill>
+                  <a:srgbClr val="C8D0D9"/>
+                </a:solidFill>
+                <a:latin typeface="Dotum"/>
+                <a:cs typeface="Dotum"/>
+              </a:rPr>
+              <a:t> </a:t>
+            </a:r>
+            <a:r>
+              <a:rPr sz="1600" spc="-340" dirty="0">
+                <a:solidFill>
+                  <a:srgbClr val="C8D0D9"/>
+                </a:solidFill>
+                <a:latin typeface="Dotum"/>
+                <a:cs typeface="Dotum"/>
+              </a:rPr>
+              <a:t>함</a:t>
+            </a:r>
+            <a:endParaRPr sz="1600" dirty="0">
+              <a:latin typeface="Dotum"/>
+              <a:cs typeface="Dotum"/>
+            </a:endParaRPr>
+          </a:p>
+        </p:txBody>
+      </p:sp>
+      <p:grpSp>
+        <p:nvGrpSpPr>
+          <p:cNvPr id="21" name="object 8">
+            <a:extLst>
+              <a:ext uri="{FF2B5EF4-FFF2-40B4-BE49-F238E27FC236}">
+                <a16:creationId xmlns:a16="http://schemas.microsoft.com/office/drawing/2014/main" id="{970F529B-1637-EB07-0498-DF6DE5EC4DB5}"/>
+              </a:ext>
+            </a:extLst>
+          </p:cNvPr>
+          <p:cNvGrpSpPr/>
+          <p:nvPr/>
+        </p:nvGrpSpPr>
+        <p:grpSpPr>
+          <a:xfrm>
+            <a:off x="6114097" y="1528762"/>
+            <a:ext cx="4781550" cy="4291012"/>
+            <a:chOff x="571499" y="3400424"/>
+            <a:chExt cx="4781550" cy="2419350"/>
+          </a:xfrm>
+        </p:grpSpPr>
+        <p:sp>
+          <p:nvSpPr>
+            <p:cNvPr id="22" name="object 9">
+              <a:extLst>
+                <a:ext uri="{FF2B5EF4-FFF2-40B4-BE49-F238E27FC236}">
+                  <a16:creationId xmlns:a16="http://schemas.microsoft.com/office/drawing/2014/main" id="{8268BB40-8AAE-CD06-3DCC-FF459E33DD45}"/>
+                </a:ext>
+              </a:extLst>
+            </p:cNvPr>
+            <p:cNvSpPr/>
+            <p:nvPr/>
+          </p:nvSpPr>
+          <p:spPr>
+            <a:xfrm>
+              <a:off x="576262" y="3405187"/>
+              <a:ext cx="4772025" cy="2409825"/>
+            </a:xfrm>
+            <a:custGeom>
+              <a:avLst/>
+              <a:gdLst/>
+              <a:ahLst/>
+              <a:cxnLst/>
+              <a:rect l="l" t="t" r="r" b="b"/>
+              <a:pathLst>
+                <a:path w="4772025" h="2409825">
+                  <a:moveTo>
+                    <a:pt x="4687478" y="2409824"/>
+                  </a:moveTo>
+                  <a:lnTo>
+                    <a:pt x="84545" y="2409824"/>
+                  </a:lnTo>
+                  <a:lnTo>
+                    <a:pt x="78661" y="2409245"/>
+                  </a:lnTo>
+                  <a:lnTo>
+                    <a:pt x="35275" y="2391273"/>
+                  </a:lnTo>
+                  <a:lnTo>
+                    <a:pt x="9161" y="2359454"/>
+                  </a:lnTo>
+                  <a:lnTo>
+                    <a:pt x="0" y="2325278"/>
+                  </a:lnTo>
+                  <a:lnTo>
+                    <a:pt x="0" y="2319337"/>
+                  </a:lnTo>
+                  <a:lnTo>
+                    <a:pt x="0" y="84545"/>
+                  </a:lnTo>
+                  <a:lnTo>
+                    <a:pt x="11948" y="45154"/>
+                  </a:lnTo>
+                  <a:lnTo>
+                    <a:pt x="45155" y="11948"/>
+                  </a:lnTo>
+                  <a:lnTo>
+                    <a:pt x="84545" y="0"/>
+                  </a:lnTo>
+                  <a:lnTo>
+                    <a:pt x="4687478" y="0"/>
+                  </a:lnTo>
+                  <a:lnTo>
+                    <a:pt x="4726868" y="11948"/>
+                  </a:lnTo>
+                  <a:lnTo>
+                    <a:pt x="4760075" y="45154"/>
+                  </a:lnTo>
+                  <a:lnTo>
+                    <a:pt x="4772024" y="84545"/>
+                  </a:lnTo>
+                  <a:lnTo>
+                    <a:pt x="4772024" y="2325278"/>
+                  </a:lnTo>
+                  <a:lnTo>
+                    <a:pt x="4760075" y="2364668"/>
+                  </a:lnTo>
+                  <a:lnTo>
+                    <a:pt x="4726868" y="2397875"/>
+                  </a:lnTo>
+                  <a:lnTo>
+                    <a:pt x="4693362" y="2409245"/>
+                  </a:lnTo>
+                  <a:lnTo>
+                    <a:pt x="4687478" y="2409824"/>
+                  </a:lnTo>
+                  <a:close/>
+                </a:path>
+              </a:pathLst>
+            </a:custGeom>
+            <a:solidFill>
+              <a:srgbClr val="20252D">
+                <a:alpha val="70199"/>
+              </a:srgbClr>
+            </a:solidFill>
+          </p:spPr>
+          <p:txBody>
+            <a:bodyPr wrap="square" lIns="0" tIns="0" rIns="0" bIns="0" rtlCol="0"/>
+            <a:lstStyle/>
+            <a:p>
+              <a:endParaRPr/>
+            </a:p>
+          </p:txBody>
+        </p:sp>
+        <p:sp>
+          <p:nvSpPr>
+            <p:cNvPr id="23" name="object 10">
+              <a:extLst>
+                <a:ext uri="{FF2B5EF4-FFF2-40B4-BE49-F238E27FC236}">
+                  <a16:creationId xmlns:a16="http://schemas.microsoft.com/office/drawing/2014/main" id="{1F6AA7AA-5EF1-B065-CF05-67CE2FCC310A}"/>
+                </a:ext>
+              </a:extLst>
+            </p:cNvPr>
+            <p:cNvSpPr/>
+            <p:nvPr/>
+          </p:nvSpPr>
+          <p:spPr>
+            <a:xfrm>
+              <a:off x="576262" y="3405187"/>
+              <a:ext cx="4772025" cy="2409825"/>
+            </a:xfrm>
+            <a:custGeom>
+              <a:avLst/>
+              <a:gdLst/>
+              <a:ahLst/>
+              <a:cxnLst/>
+              <a:rect l="l" t="t" r="r" b="b"/>
+              <a:pathLst>
+                <a:path w="4772025" h="2409825">
+                  <a:moveTo>
+                    <a:pt x="0" y="2319337"/>
+                  </a:moveTo>
+                  <a:lnTo>
+                    <a:pt x="0" y="90487"/>
+                  </a:lnTo>
+                  <a:lnTo>
+                    <a:pt x="0" y="84545"/>
+                  </a:lnTo>
+                  <a:lnTo>
+                    <a:pt x="579" y="78661"/>
+                  </a:lnTo>
+                  <a:lnTo>
+                    <a:pt x="1738" y="72834"/>
+                  </a:lnTo>
+                  <a:lnTo>
+                    <a:pt x="2897" y="67006"/>
+                  </a:lnTo>
+                  <a:lnTo>
+                    <a:pt x="4614" y="61348"/>
+                  </a:lnTo>
+                  <a:lnTo>
+                    <a:pt x="6887" y="55859"/>
+                  </a:lnTo>
+                  <a:lnTo>
+                    <a:pt x="9161" y="50369"/>
+                  </a:lnTo>
+                  <a:lnTo>
+                    <a:pt x="11948" y="45154"/>
+                  </a:lnTo>
+                  <a:lnTo>
+                    <a:pt x="15249" y="40214"/>
+                  </a:lnTo>
+                  <a:lnTo>
+                    <a:pt x="18550" y="35274"/>
+                  </a:lnTo>
+                  <a:lnTo>
+                    <a:pt x="22301" y="30703"/>
+                  </a:lnTo>
+                  <a:lnTo>
+                    <a:pt x="26503" y="26502"/>
+                  </a:lnTo>
+                  <a:lnTo>
+                    <a:pt x="30704" y="22301"/>
+                  </a:lnTo>
+                  <a:lnTo>
+                    <a:pt x="35275" y="18550"/>
+                  </a:lnTo>
+                  <a:lnTo>
+                    <a:pt x="40215" y="15249"/>
+                  </a:lnTo>
+                  <a:lnTo>
+                    <a:pt x="45155" y="11948"/>
+                  </a:lnTo>
+                  <a:lnTo>
+                    <a:pt x="50370" y="9161"/>
+                  </a:lnTo>
+                  <a:lnTo>
+                    <a:pt x="84545" y="0"/>
+                  </a:lnTo>
+                  <a:lnTo>
+                    <a:pt x="90487" y="0"/>
+                  </a:lnTo>
+                  <a:lnTo>
+                    <a:pt x="4681537" y="0"/>
+                  </a:lnTo>
+                  <a:lnTo>
+                    <a:pt x="4687478" y="0"/>
+                  </a:lnTo>
+                  <a:lnTo>
+                    <a:pt x="4693362" y="579"/>
+                  </a:lnTo>
+                  <a:lnTo>
+                    <a:pt x="4731808" y="15249"/>
+                  </a:lnTo>
+                  <a:lnTo>
+                    <a:pt x="4736748" y="18550"/>
+                  </a:lnTo>
+                  <a:lnTo>
+                    <a:pt x="4741319" y="22301"/>
+                  </a:lnTo>
+                  <a:lnTo>
+                    <a:pt x="4745521" y="26502"/>
+                  </a:lnTo>
+                  <a:lnTo>
+                    <a:pt x="4749722" y="30703"/>
+                  </a:lnTo>
+                  <a:lnTo>
+                    <a:pt x="4765136" y="55859"/>
+                  </a:lnTo>
+                  <a:lnTo>
+                    <a:pt x="4767409" y="61348"/>
+                  </a:lnTo>
+                  <a:lnTo>
+                    <a:pt x="4769125" y="67006"/>
+                  </a:lnTo>
+                  <a:lnTo>
+                    <a:pt x="4770285" y="72833"/>
+                  </a:lnTo>
+                  <a:lnTo>
+                    <a:pt x="4771445" y="78661"/>
+                  </a:lnTo>
+                  <a:lnTo>
+                    <a:pt x="4772024" y="84545"/>
+                  </a:lnTo>
+                  <a:lnTo>
+                    <a:pt x="4772024" y="90487"/>
+                  </a:lnTo>
+                  <a:lnTo>
+                    <a:pt x="4772024" y="2319337"/>
+                  </a:lnTo>
+                  <a:lnTo>
+                    <a:pt x="4772024" y="2325278"/>
+                  </a:lnTo>
+                  <a:lnTo>
+                    <a:pt x="4771445" y="2331162"/>
+                  </a:lnTo>
+                  <a:lnTo>
+                    <a:pt x="4770285" y="2336989"/>
+                  </a:lnTo>
+                  <a:lnTo>
+                    <a:pt x="4769125" y="2342817"/>
+                  </a:lnTo>
+                  <a:lnTo>
+                    <a:pt x="4767409" y="2348475"/>
+                  </a:lnTo>
+                  <a:lnTo>
+                    <a:pt x="4765136" y="2353964"/>
+                  </a:lnTo>
+                  <a:lnTo>
+                    <a:pt x="4762862" y="2359454"/>
+                  </a:lnTo>
+                  <a:lnTo>
+                    <a:pt x="4760075" y="2364668"/>
+                  </a:lnTo>
+                  <a:lnTo>
+                    <a:pt x="4756774" y="2369608"/>
+                  </a:lnTo>
+                  <a:lnTo>
+                    <a:pt x="4753473" y="2374549"/>
+                  </a:lnTo>
+                  <a:lnTo>
+                    <a:pt x="4749722" y="2379119"/>
+                  </a:lnTo>
+                  <a:lnTo>
+                    <a:pt x="4745521" y="2383321"/>
+                  </a:lnTo>
+                  <a:lnTo>
+                    <a:pt x="4741319" y="2387522"/>
+                  </a:lnTo>
+                  <a:lnTo>
+                    <a:pt x="4736748" y="2391273"/>
+                  </a:lnTo>
+                  <a:lnTo>
+                    <a:pt x="4731808" y="2394574"/>
+                  </a:lnTo>
+                  <a:lnTo>
+                    <a:pt x="4726868" y="2397875"/>
+                  </a:lnTo>
+                  <a:lnTo>
+                    <a:pt x="4721653" y="2400662"/>
+                  </a:lnTo>
+                  <a:lnTo>
+                    <a:pt x="4716164" y="2402936"/>
+                  </a:lnTo>
+                  <a:lnTo>
+                    <a:pt x="4710675" y="2405209"/>
+                  </a:lnTo>
+                  <a:lnTo>
+                    <a:pt x="4705017" y="2406926"/>
+                  </a:lnTo>
+                  <a:lnTo>
+                    <a:pt x="4699189" y="2408085"/>
+                  </a:lnTo>
+                  <a:lnTo>
+                    <a:pt x="4693362" y="2409245"/>
+                  </a:lnTo>
+                  <a:lnTo>
+                    <a:pt x="4687478" y="2409824"/>
+                  </a:lnTo>
+                  <a:lnTo>
+                    <a:pt x="4681537" y="2409824"/>
+                  </a:lnTo>
+                  <a:lnTo>
+                    <a:pt x="90487" y="2409824"/>
+                  </a:lnTo>
+                  <a:lnTo>
+                    <a:pt x="84545" y="2409824"/>
+                  </a:lnTo>
+                  <a:lnTo>
+                    <a:pt x="78661" y="2409245"/>
+                  </a:lnTo>
+                  <a:lnTo>
+                    <a:pt x="72834" y="2408085"/>
+                  </a:lnTo>
+                  <a:lnTo>
+                    <a:pt x="67006" y="2406926"/>
+                  </a:lnTo>
+                  <a:lnTo>
+                    <a:pt x="61348" y="2405209"/>
+                  </a:lnTo>
+                  <a:lnTo>
+                    <a:pt x="55859" y="2402936"/>
+                  </a:lnTo>
+                  <a:lnTo>
+                    <a:pt x="50370" y="2400662"/>
+                  </a:lnTo>
+                  <a:lnTo>
+                    <a:pt x="26503" y="2383321"/>
+                  </a:lnTo>
+                  <a:lnTo>
+                    <a:pt x="22301" y="2379119"/>
+                  </a:lnTo>
+                  <a:lnTo>
+                    <a:pt x="18550" y="2374549"/>
+                  </a:lnTo>
+                  <a:lnTo>
+                    <a:pt x="15249" y="2369608"/>
+                  </a:lnTo>
+                  <a:lnTo>
+                    <a:pt x="11948" y="2364668"/>
+                  </a:lnTo>
+                  <a:lnTo>
+                    <a:pt x="1738" y="2336989"/>
+                  </a:lnTo>
+                  <a:lnTo>
+                    <a:pt x="579" y="2331162"/>
+                  </a:lnTo>
+                  <a:lnTo>
+                    <a:pt x="0" y="2325278"/>
+                  </a:lnTo>
+                  <a:lnTo>
+                    <a:pt x="0" y="2319337"/>
+                  </a:lnTo>
+                  <a:close/>
+                </a:path>
+              </a:pathLst>
+            </a:custGeom>
+            <a:ln w="9524">
+              <a:solidFill>
+                <a:srgbClr val="2F363C"/>
+              </a:solidFill>
+            </a:ln>
+          </p:spPr>
+          <p:txBody>
+            <a:bodyPr wrap="square" lIns="0" tIns="0" rIns="0" bIns="0" rtlCol="0"/>
+            <a:lstStyle/>
+            <a:p>
+              <a:endParaRPr/>
+            </a:p>
+          </p:txBody>
+        </p:sp>
+      </p:grpSp>
+      <p:pic>
+        <p:nvPicPr>
+          <p:cNvPr id="24" name="그림 23">
+            <a:extLst>
+              <a:ext uri="{FF2B5EF4-FFF2-40B4-BE49-F238E27FC236}">
+                <a16:creationId xmlns:a16="http://schemas.microsoft.com/office/drawing/2014/main" id="{7897C377-1502-A521-D48F-4DC576ACD725}"/>
+              </a:ext>
+            </a:extLst>
+          </p:cNvPr>
+          <p:cNvPicPr>
+            <a:picLocks noChangeAspect="1"/>
+          </p:cNvPicPr>
+          <p:nvPr/>
+        </p:nvPicPr>
+        <p:blipFill>
+          <a:blip r:embed="rId2"/>
+          <a:stretch>
+            <a:fillRect/>
+          </a:stretch>
+        </p:blipFill>
+        <p:spPr>
+          <a:xfrm>
+            <a:off x="6347353" y="1717480"/>
+            <a:ext cx="4315038" cy="2479016"/>
+          </a:xfrm>
+          <a:prstGeom prst="rect">
+            <a:avLst/>
+          </a:prstGeom>
+        </p:spPr>
+      </p:pic>
+      <p:sp>
+        <p:nvSpPr>
+          <p:cNvPr id="26" name="object 14">
+            <a:extLst>
+              <a:ext uri="{FF2B5EF4-FFF2-40B4-BE49-F238E27FC236}">
+                <a16:creationId xmlns:a16="http://schemas.microsoft.com/office/drawing/2014/main" id="{164B275A-3DE8-DB06-80C2-84CE22AFA34C}"/>
+              </a:ext>
+            </a:extLst>
+          </p:cNvPr>
+          <p:cNvSpPr txBox="1"/>
+          <p:nvPr/>
+        </p:nvSpPr>
+        <p:spPr>
+          <a:xfrm>
+            <a:off x="6347352" y="4382322"/>
+            <a:ext cx="4315037" cy="1274067"/>
+          </a:xfrm>
+          <a:prstGeom prst="rect">
+            <a:avLst/>
+          </a:prstGeom>
+        </p:spPr>
+        <p:txBody>
+          <a:bodyPr vert="horz" wrap="square" lIns="0" tIns="13335" rIns="0" bIns="0" rtlCol="0">
+            <a:spAutoFit/>
+          </a:bodyPr>
+          <a:lstStyle/>
+          <a:p>
+            <a:pPr marL="12700">
+              <a:lnSpc>
+                <a:spcPct val="100000"/>
+              </a:lnSpc>
+              <a:spcBef>
+                <a:spcPts val="105"/>
+              </a:spcBef>
+            </a:pPr>
+            <a:r>
+              <a:rPr lang="ko-KR" altLang="en-US" sz="1900" b="1" spc="-335" dirty="0">
+                <a:solidFill>
+                  <a:srgbClr val="58A6FF"/>
+                </a:solidFill>
+                <a:latin typeface="Malgun Gothic"/>
+                <a:cs typeface="Malgun Gothic"/>
+              </a:rPr>
+              <a:t>기차놀이</a:t>
+            </a:r>
+            <a:r>
+              <a:rPr sz="1900" b="1" spc="-335" dirty="0">
+                <a:solidFill>
+                  <a:srgbClr val="58A6FF"/>
+                </a:solidFill>
+                <a:latin typeface="Malgun Gothic"/>
+                <a:cs typeface="Malgun Gothic"/>
+              </a:rPr>
+              <a:t>란</a:t>
+            </a:r>
+            <a:r>
+              <a:rPr sz="1900" b="1" spc="-335" dirty="0">
+                <a:solidFill>
+                  <a:srgbClr val="58A6FF"/>
+                </a:solidFill>
+                <a:latin typeface="Noto Sans JP"/>
+                <a:cs typeface="Noto Sans JP"/>
+              </a:rPr>
+              <a:t>?</a:t>
+            </a:r>
+            <a:endParaRPr sz="1900" dirty="0">
+              <a:latin typeface="Noto Sans JP"/>
+              <a:cs typeface="Noto Sans JP"/>
+            </a:endParaRPr>
+          </a:p>
+          <a:p>
+            <a:pPr marL="12700" marR="5080">
+              <a:lnSpc>
+                <a:spcPct val="117200"/>
+              </a:lnSpc>
+              <a:spcBef>
+                <a:spcPts val="1140"/>
+              </a:spcBef>
+            </a:pPr>
+            <a:r>
+              <a:rPr lang="ko-KR" altLang="en-US" sz="1600" spc="-125" dirty="0">
+                <a:solidFill>
+                  <a:srgbClr val="C8D0D9"/>
+                </a:solidFill>
+                <a:latin typeface="Dotum"/>
+                <a:cs typeface="Dotum"/>
+              </a:rPr>
+              <a:t>앞쪽 </a:t>
+            </a:r>
+            <a:r>
+              <a:rPr lang="ko-KR" altLang="en-US" sz="1600" spc="-125" dirty="0" err="1">
+                <a:solidFill>
+                  <a:srgbClr val="C8D0D9"/>
+                </a:solidFill>
+                <a:latin typeface="Dotum"/>
+                <a:cs typeface="Dotum"/>
+              </a:rPr>
+              <a:t>브랜치의</a:t>
+            </a:r>
+            <a:r>
+              <a:rPr lang="ko-KR" altLang="en-US" sz="1600" spc="-125" dirty="0">
+                <a:solidFill>
+                  <a:srgbClr val="C8D0D9"/>
+                </a:solidFill>
+                <a:latin typeface="Dotum"/>
+                <a:cs typeface="Dotum"/>
+              </a:rPr>
+              <a:t> 변경을 뒤쪽으로 연쇄적으로 전파</a:t>
+            </a:r>
+            <a:r>
+              <a:rPr lang="en-US" altLang="ko-KR" sz="1600" spc="-125" dirty="0">
+                <a:solidFill>
+                  <a:srgbClr val="C8D0D9"/>
+                </a:solidFill>
+                <a:latin typeface="Dotum"/>
+                <a:cs typeface="Dotum"/>
+              </a:rPr>
+              <a:t>, </a:t>
+            </a:r>
+            <a:r>
+              <a:rPr lang="ko-KR" altLang="en-US" sz="1600" spc="-125" dirty="0">
+                <a:solidFill>
+                  <a:srgbClr val="C8D0D9"/>
+                </a:solidFill>
+                <a:latin typeface="Dotum"/>
+                <a:cs typeface="Dotum"/>
+              </a:rPr>
+              <a:t>단일 </a:t>
+            </a:r>
+            <a:r>
+              <a:rPr lang="en-US" altLang="ko-KR" sz="1600" spc="-125" dirty="0">
+                <a:solidFill>
+                  <a:srgbClr val="C8D0D9"/>
+                </a:solidFill>
+                <a:latin typeface="Dotum"/>
+                <a:cs typeface="Dotum"/>
+              </a:rPr>
+              <a:t>QA </a:t>
+            </a:r>
+            <a:r>
+              <a:rPr lang="ko-KR" altLang="en-US" sz="1600" spc="-125" dirty="0">
+                <a:solidFill>
+                  <a:srgbClr val="C8D0D9"/>
+                </a:solidFill>
+                <a:latin typeface="Dotum"/>
+                <a:cs typeface="Dotum"/>
+              </a:rPr>
+              <a:t>환경에서 여러 배포 </a:t>
+            </a:r>
+            <a:r>
+              <a:rPr lang="ko-KR" altLang="en-US" sz="1600" spc="-125" dirty="0" err="1">
+                <a:solidFill>
+                  <a:srgbClr val="C8D0D9"/>
+                </a:solidFill>
+                <a:latin typeface="Dotum"/>
+                <a:cs typeface="Dotum"/>
+              </a:rPr>
+              <a:t>브랜치의</a:t>
+            </a:r>
+            <a:r>
+              <a:rPr lang="ko-KR" altLang="en-US" sz="1600" spc="-125" dirty="0">
+                <a:solidFill>
+                  <a:srgbClr val="C8D0D9"/>
+                </a:solidFill>
+                <a:latin typeface="Dotum"/>
+                <a:cs typeface="Dotum"/>
+              </a:rPr>
+              <a:t> 기능을 동시 테스트 가능하게 하는 전략</a:t>
+            </a:r>
+            <a:endParaRPr sz="1600" dirty="0">
+              <a:latin typeface="Dotum"/>
+              <a:cs typeface="Dotum"/>
+            </a:endParaRPr>
+          </a:p>
+        </p:txBody>
+      </p:sp>
+    </p:spTree>
+    <p:extLst>
+      <p:ext uri="{BB962C8B-B14F-4D97-AF65-F5344CB8AC3E}">
+        <p14:creationId xmlns:p14="http://schemas.microsoft.com/office/powerpoint/2010/main" val="3867366405"/>
+      </p:ext>
+    </p:extLst>
+  </p:cSld>
+  <p:clrMapOvr>
+    <a:masterClrMapping/>
+  </p:clrMapOvr>
+</p:sld>
+</file>
+
+<file path=ppt/slides/slide7.xml><?xml version="1.0" encoding="utf-8"?>
+<p:sld xmlns:a="http://schemas.openxmlformats.org/drawingml/2006/main" xmlns:r="http://schemas.openxmlformats.org/officeDocument/2006/relationships" xmlns:p="http://schemas.openxmlformats.org/presentationml/2006/main">
+  <p:cSld>
+    <p:spTree>
+      <p:nvGrpSpPr>
+        <p:cNvPr id="1" name=""/>
+        <p:cNvGrpSpPr/>
+        <p:nvPr/>
+      </p:nvGrpSpPr>
+      <p:grpSpPr>
+        <a:xfrm>
+          <a:off x="0" y="0"/>
+          <a:ext cx="0" cy="0"/>
+          <a:chOff x="0" y="0"/>
+          <a:chExt cx="0" cy="0"/>
+        </a:xfrm>
+      </p:grpSpPr>
+      <p:sp>
+        <p:nvSpPr>
           <p:cNvPr id="2" name="object 2"/>
           <p:cNvSpPr/>
           <p:nvPr/>
@@ -28683,7 +31295,7 @@
         <p:spPr>
           <a:xfrm>
             <a:off x="0" y="0"/>
-            <a:ext cx="12192000" cy="7286625"/>
+            <a:ext cx="12192000" cy="6856413"/>
           </a:xfrm>
           <a:custGeom>
             <a:avLst/>
@@ -28942,11 +31554,11 @@
               </a:tabLst>
             </a:pPr>
             <a:r>
-              <a:rPr lang="en-US" sz="3600" spc="-415" dirty="0">
+              <a:rPr lang="en-US" altLang="ko-KR" sz="3600" spc="-415" dirty="0">
                 <a:latin typeface="Noto Sans JP"/>
                 <a:cs typeface="Noto Sans JP"/>
               </a:rPr>
-              <a:t>5</a:t>
+              <a:t>6</a:t>
             </a:r>
             <a:r>
               <a:rPr sz="3600" dirty="0">
@@ -29024,8 +31636,8 @@
         </p:nvGrpSpPr>
         <p:grpSpPr>
           <a:xfrm>
-            <a:off x="476249" y="1523999"/>
-            <a:ext cx="5391150" cy="5086350"/>
+            <a:off x="476249" y="1602004"/>
+            <a:ext cx="5391150" cy="4623955"/>
             <a:chOff x="476249" y="1523999"/>
             <a:chExt cx="5391150" cy="5086350"/>
           </a:xfrm>
@@ -29374,8 +31986,8 @@
         </p:nvSpPr>
         <p:spPr>
           <a:xfrm>
-            <a:off x="2457846" y="1724823"/>
-            <a:ext cx="1431925" cy="398145"/>
+            <a:off x="2457846" y="1732539"/>
+            <a:ext cx="1431925" cy="319318"/>
           </a:xfrm>
           <a:prstGeom prst="rect">
             <a:avLst/>
@@ -29396,7 +32008,7 @@
               </a:spcBef>
             </a:pPr>
             <a:r>
-              <a:rPr sz="2450" b="1" spc="-215" dirty="0">
+              <a:rPr sz="2000" b="1" spc="-215" dirty="0">
                 <a:solidFill>
                   <a:srgbClr val="378BFD"/>
                 </a:solidFill>
@@ -29406,7 +32018,7 @@
               <a:t>Merge</a:t>
             </a:r>
             <a:r>
-              <a:rPr sz="2450" b="1" spc="75" dirty="0">
+              <a:rPr sz="2000" b="1" spc="75" dirty="0">
                 <a:solidFill>
                   <a:srgbClr val="378BFD"/>
                 </a:solidFill>
@@ -29416,7 +32028,7 @@
               <a:t> </a:t>
             </a:r>
             <a:r>
-              <a:rPr sz="2450" b="1" spc="-495" dirty="0">
+              <a:rPr sz="2000" b="1" spc="-495" dirty="0">
                 <a:solidFill>
                   <a:srgbClr val="378BFD"/>
                 </a:solidFill>
@@ -29425,7 +32037,7 @@
               </a:rPr>
               <a:t>방식</a:t>
             </a:r>
-            <a:endParaRPr sz="2450">
+            <a:endParaRPr sz="2000" dirty="0">
               <a:latin typeface="Malgun Gothic"/>
               <a:cs typeface="Malgun Gothic"/>
             </a:endParaRPr>
@@ -29440,7 +32052,7 @@
         </p:nvGrpSpPr>
         <p:grpSpPr>
           <a:xfrm>
-            <a:off x="676274" y="2752724"/>
+            <a:off x="676274" y="2599531"/>
             <a:ext cx="4991100" cy="3548955"/>
             <a:chOff x="676274" y="2752724"/>
             <a:chExt cx="4991100" cy="3548955"/>
@@ -29793,7 +32405,7 @@
         </p:nvSpPr>
         <p:spPr>
           <a:xfrm>
-            <a:off x="930275" y="5425312"/>
+            <a:off x="930275" y="5272119"/>
             <a:ext cx="1696085" cy="232410"/>
           </a:xfrm>
           <a:prstGeom prst="rect">
@@ -29909,7 +32521,7 @@
         </p:nvSpPr>
         <p:spPr>
           <a:xfrm>
-            <a:off x="930275" y="5758687"/>
+            <a:off x="930275" y="5605494"/>
             <a:ext cx="1800860" cy="221214"/>
           </a:xfrm>
           <a:prstGeom prst="rect">
@@ -30025,7 +32637,7 @@
         </p:nvSpPr>
         <p:spPr>
           <a:xfrm>
-            <a:off x="930275" y="6082537"/>
+            <a:off x="930275" y="5929344"/>
             <a:ext cx="2580005" cy="232410"/>
           </a:xfrm>
           <a:prstGeom prst="rect">
@@ -30161,8 +32773,8 @@
         </p:nvGrpSpPr>
         <p:grpSpPr>
           <a:xfrm>
-            <a:off x="6324598" y="1523999"/>
-            <a:ext cx="5391150" cy="5086350"/>
+            <a:off x="6324598" y="1602004"/>
+            <a:ext cx="5391150" cy="4623955"/>
             <a:chOff x="6324598" y="1523999"/>
             <a:chExt cx="5391150" cy="5086350"/>
           </a:xfrm>
@@ -30478,8 +33090,8 @@
         </p:nvSpPr>
         <p:spPr>
           <a:xfrm>
-            <a:off x="8229848" y="1714881"/>
-            <a:ext cx="1577340" cy="410209"/>
+            <a:off x="8229848" y="1722597"/>
+            <a:ext cx="1577340" cy="323165"/>
           </a:xfrm>
           <a:prstGeom prst="rect">
             <a:avLst/>
@@ -30500,7 +33112,7 @@
               </a:spcBef>
             </a:pPr>
             <a:r>
-              <a:rPr sz="2500" b="1" spc="-229" dirty="0">
+              <a:rPr sz="2000" b="1" spc="-229" dirty="0">
                 <a:solidFill>
                   <a:srgbClr val="F5B93B"/>
                 </a:solidFill>
@@ -30510,7 +33122,7 @@
               <a:t>Rebase</a:t>
             </a:r>
             <a:r>
-              <a:rPr sz="2500" b="1" spc="65" dirty="0">
+              <a:rPr sz="2000" b="1" spc="65" dirty="0">
                 <a:solidFill>
                   <a:srgbClr val="F5B93B"/>
                 </a:solidFill>
@@ -30520,7 +33132,7 @@
               <a:t> </a:t>
             </a:r>
             <a:r>
-              <a:rPr sz="2450" b="1" spc="-495" dirty="0">
+              <a:rPr sz="2000" b="1" spc="-495" dirty="0">
                 <a:solidFill>
                   <a:srgbClr val="F5B93B"/>
                 </a:solidFill>
@@ -30529,7 +33141,7 @@
               </a:rPr>
               <a:t>방식</a:t>
             </a:r>
-            <a:endParaRPr sz="2450">
+            <a:endParaRPr sz="2000">
               <a:latin typeface="Malgun Gothic"/>
               <a:cs typeface="Malgun Gothic"/>
             </a:endParaRPr>
@@ -30544,7 +33156,7 @@
         </p:nvGrpSpPr>
         <p:grpSpPr>
           <a:xfrm>
-            <a:off x="6524035" y="2609849"/>
+            <a:off x="6524035" y="2456656"/>
             <a:ext cx="4991735" cy="3681729"/>
             <a:chOff x="6524035" y="2609849"/>
             <a:chExt cx="4991735" cy="3681729"/>
@@ -31152,7 +33764,7 @@
         </p:nvSpPr>
         <p:spPr>
           <a:xfrm>
-            <a:off x="6774904" y="5425312"/>
+            <a:off x="6774904" y="5272119"/>
             <a:ext cx="2159635" cy="232410"/>
           </a:xfrm>
           <a:prstGeom prst="rect">
@@ -31288,7 +33900,7 @@
         </p:nvSpPr>
         <p:spPr>
           <a:xfrm>
-            <a:off x="6774904" y="5758687"/>
+            <a:off x="6774904" y="5605494"/>
             <a:ext cx="1793875" cy="232410"/>
           </a:xfrm>
           <a:prstGeom prst="rect">
@@ -31384,7 +33996,7 @@
         </p:nvSpPr>
         <p:spPr>
           <a:xfrm>
-            <a:off x="6774904" y="6082537"/>
+            <a:off x="6774904" y="5929344"/>
             <a:ext cx="2431415" cy="221214"/>
           </a:xfrm>
           <a:prstGeom prst="rect">
@@ -31510,7 +34122,7 @@
         </p:nvSpPr>
         <p:spPr>
           <a:xfrm>
-            <a:off x="463550" y="6796913"/>
+            <a:off x="160202" y="6610486"/>
             <a:ext cx="5480050" cy="180370"/>
           </a:xfrm>
           <a:prstGeom prst="rect">
@@ -31567,7 +34179,7 @@
         </p:blipFill>
         <p:spPr>
           <a:xfrm>
-            <a:off x="6699156" y="2261145"/>
+            <a:off x="6699156" y="2107952"/>
             <a:ext cx="4470767" cy="2617577"/>
           </a:xfrm>
           <a:prstGeom prst="rect">
@@ -31597,7 +34209,7 @@
         </p:blipFill>
         <p:spPr>
           <a:xfrm>
-            <a:off x="949977" y="2344432"/>
+            <a:off x="949977" y="2191239"/>
             <a:ext cx="4307824" cy="2554954"/>
           </a:xfrm>
           <a:prstGeom prst="rect">
@@ -31606,2572 +34218,6 @@
         </p:spPr>
       </p:pic>
     </p:spTree>
-  </p:cSld>
-  <p:clrMapOvr>
-    <a:masterClrMapping/>
-  </p:clrMapOvr>
-</p:sld>
-</file>
-
-<file path=ppt/slides/slide7.xml><?xml version="1.0" encoding="utf-8"?>
-<p:sld xmlns:a="http://schemas.openxmlformats.org/drawingml/2006/main" xmlns:r="http://schemas.openxmlformats.org/officeDocument/2006/relationships" xmlns:p="http://schemas.openxmlformats.org/presentationml/2006/main">
-  <p:cSld>
-    <p:spTree>
-      <p:nvGrpSpPr>
-        <p:cNvPr id="1" name=""/>
-        <p:cNvGrpSpPr/>
-        <p:nvPr/>
-      </p:nvGrpSpPr>
-      <p:grpSpPr>
-        <a:xfrm>
-          <a:off x="0" y="0"/>
-          <a:ext cx="0" cy="0"/>
-          <a:chOff x="0" y="0"/>
-          <a:chExt cx="0" cy="0"/>
-        </a:xfrm>
-      </p:grpSpPr>
-      <p:sp>
-        <p:nvSpPr>
-          <p:cNvPr id="4" name="object 3">
-            <a:extLst>
-              <a:ext uri="{FF2B5EF4-FFF2-40B4-BE49-F238E27FC236}">
-                <a16:creationId xmlns:a16="http://schemas.microsoft.com/office/drawing/2014/main" id="{5D8FD61A-19B9-F2CE-7B6A-E56AAFD7BA0E}"/>
-              </a:ext>
-            </a:extLst>
-          </p:cNvPr>
-          <p:cNvSpPr/>
-          <p:nvPr/>
-        </p:nvSpPr>
-        <p:spPr>
-          <a:xfrm>
-            <a:off x="571499" y="571500"/>
-            <a:ext cx="571500" cy="571500"/>
-          </a:xfrm>
-          <a:custGeom>
-            <a:avLst/>
-            <a:gdLst/>
-            <a:ahLst/>
-            <a:cxnLst/>
-            <a:rect l="l" t="t" r="r" b="b"/>
-            <a:pathLst>
-              <a:path w="571500" h="571500">
-                <a:moveTo>
-                  <a:pt x="285749" y="571499"/>
-                </a:moveTo>
-                <a:lnTo>
-                  <a:pt x="243821" y="568407"/>
-                </a:lnTo>
-                <a:lnTo>
-                  <a:pt x="202801" y="559195"/>
-                </a:lnTo>
-                <a:lnTo>
-                  <a:pt x="163575" y="544064"/>
-                </a:lnTo>
-                <a:lnTo>
-                  <a:pt x="126995" y="523342"/>
-                </a:lnTo>
-                <a:lnTo>
-                  <a:pt x="93851" y="497476"/>
-                </a:lnTo>
-                <a:lnTo>
-                  <a:pt x="64862" y="467027"/>
-                </a:lnTo>
-                <a:lnTo>
-                  <a:pt x="40653" y="432654"/>
-                </a:lnTo>
-                <a:lnTo>
-                  <a:pt x="21751" y="395101"/>
-                </a:lnTo>
-                <a:lnTo>
-                  <a:pt x="8563" y="355181"/>
-                </a:lnTo>
-                <a:lnTo>
-                  <a:pt x="1375" y="313758"/>
-                </a:lnTo>
-                <a:lnTo>
-                  <a:pt x="0" y="285749"/>
-                </a:lnTo>
-                <a:lnTo>
-                  <a:pt x="343" y="271728"/>
-                </a:lnTo>
-                <a:lnTo>
-                  <a:pt x="5490" y="230002"/>
-                </a:lnTo>
-                <a:lnTo>
-                  <a:pt x="16703" y="189483"/>
-                </a:lnTo>
-                <a:lnTo>
-                  <a:pt x="33740" y="151048"/>
-                </a:lnTo>
-                <a:lnTo>
-                  <a:pt x="56233" y="115528"/>
-                </a:lnTo>
-                <a:lnTo>
-                  <a:pt x="83694" y="83694"/>
-                </a:lnTo>
-                <a:lnTo>
-                  <a:pt x="115528" y="56233"/>
-                </a:lnTo>
-                <a:lnTo>
-                  <a:pt x="151048" y="33740"/>
-                </a:lnTo>
-                <a:lnTo>
-                  <a:pt x="189483" y="16703"/>
-                </a:lnTo>
-                <a:lnTo>
-                  <a:pt x="230002" y="5490"/>
-                </a:lnTo>
-                <a:lnTo>
-                  <a:pt x="271728" y="344"/>
-                </a:lnTo>
-                <a:lnTo>
-                  <a:pt x="285749" y="0"/>
-                </a:lnTo>
-                <a:lnTo>
-                  <a:pt x="299771" y="344"/>
-                </a:lnTo>
-                <a:lnTo>
-                  <a:pt x="341497" y="5490"/>
-                </a:lnTo>
-                <a:lnTo>
-                  <a:pt x="382016" y="16703"/>
-                </a:lnTo>
-                <a:lnTo>
-                  <a:pt x="420451" y="33740"/>
-                </a:lnTo>
-                <a:lnTo>
-                  <a:pt x="455971" y="56233"/>
-                </a:lnTo>
-                <a:lnTo>
-                  <a:pt x="487805" y="83694"/>
-                </a:lnTo>
-                <a:lnTo>
-                  <a:pt x="515266" y="115528"/>
-                </a:lnTo>
-                <a:lnTo>
-                  <a:pt x="537758" y="151048"/>
-                </a:lnTo>
-                <a:lnTo>
-                  <a:pt x="554796" y="189483"/>
-                </a:lnTo>
-                <a:lnTo>
-                  <a:pt x="566009" y="230002"/>
-                </a:lnTo>
-                <a:lnTo>
-                  <a:pt x="571155" y="271728"/>
-                </a:lnTo>
-                <a:lnTo>
-                  <a:pt x="571499" y="285749"/>
-                </a:lnTo>
-                <a:lnTo>
-                  <a:pt x="571155" y="299771"/>
-                </a:lnTo>
-                <a:lnTo>
-                  <a:pt x="566009" y="341497"/>
-                </a:lnTo>
-                <a:lnTo>
-                  <a:pt x="554796" y="382016"/>
-                </a:lnTo>
-                <a:lnTo>
-                  <a:pt x="537758" y="420451"/>
-                </a:lnTo>
-                <a:lnTo>
-                  <a:pt x="515266" y="455971"/>
-                </a:lnTo>
-                <a:lnTo>
-                  <a:pt x="487805" y="487805"/>
-                </a:lnTo>
-                <a:lnTo>
-                  <a:pt x="455971" y="515266"/>
-                </a:lnTo>
-                <a:lnTo>
-                  <a:pt x="420451" y="537758"/>
-                </a:lnTo>
-                <a:lnTo>
-                  <a:pt x="382016" y="554796"/>
-                </a:lnTo>
-                <a:lnTo>
-                  <a:pt x="341496" y="566009"/>
-                </a:lnTo>
-                <a:lnTo>
-                  <a:pt x="299771" y="571155"/>
-                </a:lnTo>
-                <a:lnTo>
-                  <a:pt x="285749" y="571499"/>
-                </a:lnTo>
-                <a:close/>
-              </a:path>
-            </a:pathLst>
-          </a:custGeom>
-          <a:solidFill>
-            <a:srgbClr val="58A6FF">
-              <a:alpha val="10198"/>
-            </a:srgbClr>
-          </a:solidFill>
-        </p:spPr>
-        <p:txBody>
-          <a:bodyPr wrap="square" lIns="0" tIns="0" rIns="0" bIns="0" rtlCol="0"/>
-          <a:lstStyle/>
-          <a:p>
-            <a:endParaRPr/>
-          </a:p>
-        </p:txBody>
-      </p:sp>
-      <p:sp>
-        <p:nvSpPr>
-          <p:cNvPr id="5" name="object 4">
-            <a:extLst>
-              <a:ext uri="{FF2B5EF4-FFF2-40B4-BE49-F238E27FC236}">
-                <a16:creationId xmlns:a16="http://schemas.microsoft.com/office/drawing/2014/main" id="{D5D8AC78-0318-2BD6-B760-5B623F65E5A4}"/>
-              </a:ext>
-            </a:extLst>
-          </p:cNvPr>
-          <p:cNvSpPr txBox="1">
-            <a:spLocks noGrp="1"/>
-          </p:cNvSpPr>
-          <p:nvPr>
-            <p:ph type="title"/>
-          </p:nvPr>
-        </p:nvSpPr>
-        <p:spPr>
-          <a:xfrm>
-            <a:off x="732035" y="575944"/>
-            <a:ext cx="4163695" cy="542290"/>
-          </a:xfrm>
-          <a:prstGeom prst="rect">
-            <a:avLst/>
-          </a:prstGeom>
-        </p:spPr>
-        <p:txBody>
-          <a:bodyPr vert="horz" wrap="square" lIns="0" tIns="17780" rIns="0" bIns="0" rtlCol="0">
-            <a:spAutoFit/>
-          </a:bodyPr>
-          <a:lstStyle/>
-          <a:p>
-            <a:pPr marL="12700">
-              <a:lnSpc>
-                <a:spcPct val="100000"/>
-              </a:lnSpc>
-              <a:spcBef>
-                <a:spcPts val="140"/>
-              </a:spcBef>
-              <a:tabLst>
-                <a:tab pos="601345" algn="l"/>
-              </a:tabLst>
-            </a:pPr>
-            <a:r>
-              <a:rPr spc="-50" dirty="0">
-                <a:latin typeface="Trebuchet MS"/>
-                <a:cs typeface="Trebuchet MS"/>
-              </a:rPr>
-              <a:t>6</a:t>
-            </a:r>
-            <a:r>
-              <a:rPr dirty="0">
-                <a:latin typeface="Trebuchet MS"/>
-                <a:cs typeface="Trebuchet MS"/>
-              </a:rPr>
-              <a:t>	</a:t>
-            </a:r>
-            <a:r>
-              <a:rPr spc="-605" dirty="0"/>
-              <a:t>백포팅</a:t>
-            </a:r>
-            <a:r>
-              <a:rPr spc="-335" dirty="0"/>
-              <a:t> </a:t>
-            </a:r>
-            <a:r>
-              <a:rPr spc="-490" dirty="0"/>
-              <a:t>전략</a:t>
-            </a:r>
-            <a:r>
-              <a:rPr spc="-490" dirty="0">
-                <a:latin typeface="Trebuchet MS"/>
-                <a:cs typeface="Trebuchet MS"/>
-              </a:rPr>
-              <a:t>(</a:t>
-            </a:r>
-            <a:r>
-              <a:rPr spc="-490" dirty="0"/>
-              <a:t>기차놀이</a:t>
-            </a:r>
-            <a:r>
-              <a:rPr spc="-490" dirty="0">
-                <a:latin typeface="Trebuchet MS"/>
-                <a:cs typeface="Trebuchet MS"/>
-              </a:rPr>
-              <a:t>)</a:t>
-            </a:r>
-          </a:p>
-        </p:txBody>
-      </p:sp>
-      <p:grpSp>
-        <p:nvGrpSpPr>
-          <p:cNvPr id="6" name="object 5">
-            <a:extLst>
-              <a:ext uri="{FF2B5EF4-FFF2-40B4-BE49-F238E27FC236}">
-                <a16:creationId xmlns:a16="http://schemas.microsoft.com/office/drawing/2014/main" id="{645AAA95-DBB5-4468-098A-7655B1852282}"/>
-              </a:ext>
-            </a:extLst>
-          </p:cNvPr>
-          <p:cNvGrpSpPr/>
-          <p:nvPr/>
-        </p:nvGrpSpPr>
-        <p:grpSpPr>
-          <a:xfrm>
-            <a:off x="571499" y="1523999"/>
-            <a:ext cx="4781550" cy="1685925"/>
-            <a:chOff x="571499" y="1523999"/>
-            <a:chExt cx="4781550" cy="1685925"/>
-          </a:xfrm>
-        </p:grpSpPr>
-        <p:sp>
-          <p:nvSpPr>
-            <p:cNvPr id="7" name="object 6">
-              <a:extLst>
-                <a:ext uri="{FF2B5EF4-FFF2-40B4-BE49-F238E27FC236}">
-                  <a16:creationId xmlns:a16="http://schemas.microsoft.com/office/drawing/2014/main" id="{A6AEF050-6B53-5884-133E-7B0F471A8583}"/>
-                </a:ext>
-              </a:extLst>
-            </p:cNvPr>
-            <p:cNvSpPr/>
-            <p:nvPr/>
-          </p:nvSpPr>
-          <p:spPr>
-            <a:xfrm>
-              <a:off x="576262" y="1528762"/>
-              <a:ext cx="4772025" cy="1676400"/>
-            </a:xfrm>
-            <a:custGeom>
-              <a:avLst/>
-              <a:gdLst/>
-              <a:ahLst/>
-              <a:cxnLst/>
-              <a:rect l="l" t="t" r="r" b="b"/>
-              <a:pathLst>
-                <a:path w="4772025" h="1676400">
-                  <a:moveTo>
-                    <a:pt x="4687478" y="1676399"/>
-                  </a:moveTo>
-                  <a:lnTo>
-                    <a:pt x="84545" y="1676399"/>
-                  </a:lnTo>
-                  <a:lnTo>
-                    <a:pt x="78661" y="1675820"/>
-                  </a:lnTo>
-                  <a:lnTo>
-                    <a:pt x="35275" y="1657848"/>
-                  </a:lnTo>
-                  <a:lnTo>
-                    <a:pt x="9161" y="1626029"/>
-                  </a:lnTo>
-                  <a:lnTo>
-                    <a:pt x="0" y="1591853"/>
-                  </a:lnTo>
-                  <a:lnTo>
-                    <a:pt x="0" y="1585912"/>
-                  </a:lnTo>
-                  <a:lnTo>
-                    <a:pt x="0" y="84545"/>
-                  </a:lnTo>
-                  <a:lnTo>
-                    <a:pt x="11948" y="45155"/>
-                  </a:lnTo>
-                  <a:lnTo>
-                    <a:pt x="45155" y="11948"/>
-                  </a:lnTo>
-                  <a:lnTo>
-                    <a:pt x="84545" y="0"/>
-                  </a:lnTo>
-                  <a:lnTo>
-                    <a:pt x="4687478" y="0"/>
-                  </a:lnTo>
-                  <a:lnTo>
-                    <a:pt x="4726868" y="11948"/>
-                  </a:lnTo>
-                  <a:lnTo>
-                    <a:pt x="4760075" y="45155"/>
-                  </a:lnTo>
-                  <a:lnTo>
-                    <a:pt x="4772024" y="84545"/>
-                  </a:lnTo>
-                  <a:lnTo>
-                    <a:pt x="4772024" y="1591853"/>
-                  </a:lnTo>
-                  <a:lnTo>
-                    <a:pt x="4760075" y="1631244"/>
-                  </a:lnTo>
-                  <a:lnTo>
-                    <a:pt x="4726868" y="1664449"/>
-                  </a:lnTo>
-                  <a:lnTo>
-                    <a:pt x="4693362" y="1675820"/>
-                  </a:lnTo>
-                  <a:lnTo>
-                    <a:pt x="4687478" y="1676399"/>
-                  </a:lnTo>
-                  <a:close/>
-                </a:path>
-              </a:pathLst>
-            </a:custGeom>
-            <a:solidFill>
-              <a:srgbClr val="20252D">
-                <a:alpha val="70199"/>
-              </a:srgbClr>
-            </a:solidFill>
-          </p:spPr>
-          <p:txBody>
-            <a:bodyPr wrap="square" lIns="0" tIns="0" rIns="0" bIns="0" rtlCol="0"/>
-            <a:lstStyle/>
-            <a:p>
-              <a:endParaRPr/>
-            </a:p>
-          </p:txBody>
-        </p:sp>
-        <p:sp>
-          <p:nvSpPr>
-            <p:cNvPr id="8" name="object 7">
-              <a:extLst>
-                <a:ext uri="{FF2B5EF4-FFF2-40B4-BE49-F238E27FC236}">
-                  <a16:creationId xmlns:a16="http://schemas.microsoft.com/office/drawing/2014/main" id="{CA82808F-D153-3921-C3AA-BE7A2443B87C}"/>
-                </a:ext>
-              </a:extLst>
-            </p:cNvPr>
-            <p:cNvSpPr/>
-            <p:nvPr/>
-          </p:nvSpPr>
-          <p:spPr>
-            <a:xfrm>
-              <a:off x="576262" y="1528762"/>
-              <a:ext cx="4772025" cy="1676400"/>
-            </a:xfrm>
-            <a:custGeom>
-              <a:avLst/>
-              <a:gdLst/>
-              <a:ahLst/>
-              <a:cxnLst/>
-              <a:rect l="l" t="t" r="r" b="b"/>
-              <a:pathLst>
-                <a:path w="4772025" h="1676400">
-                  <a:moveTo>
-                    <a:pt x="0" y="1585912"/>
-                  </a:moveTo>
-                  <a:lnTo>
-                    <a:pt x="0" y="90487"/>
-                  </a:lnTo>
-                  <a:lnTo>
-                    <a:pt x="0" y="84545"/>
-                  </a:lnTo>
-                  <a:lnTo>
-                    <a:pt x="579" y="78661"/>
-                  </a:lnTo>
-                  <a:lnTo>
-                    <a:pt x="1738" y="72834"/>
-                  </a:lnTo>
-                  <a:lnTo>
-                    <a:pt x="2897" y="67006"/>
-                  </a:lnTo>
-                  <a:lnTo>
-                    <a:pt x="4614" y="61348"/>
-                  </a:lnTo>
-                  <a:lnTo>
-                    <a:pt x="6887" y="55859"/>
-                  </a:lnTo>
-                  <a:lnTo>
-                    <a:pt x="9161" y="50369"/>
-                  </a:lnTo>
-                  <a:lnTo>
-                    <a:pt x="26503" y="26503"/>
-                  </a:lnTo>
-                  <a:lnTo>
-                    <a:pt x="30704" y="22301"/>
-                  </a:lnTo>
-                  <a:lnTo>
-                    <a:pt x="67006" y="2897"/>
-                  </a:lnTo>
-                  <a:lnTo>
-                    <a:pt x="72834" y="1738"/>
-                  </a:lnTo>
-                  <a:lnTo>
-                    <a:pt x="78661" y="579"/>
-                  </a:lnTo>
-                  <a:lnTo>
-                    <a:pt x="84545" y="0"/>
-                  </a:lnTo>
-                  <a:lnTo>
-                    <a:pt x="90487" y="0"/>
-                  </a:lnTo>
-                  <a:lnTo>
-                    <a:pt x="4681537" y="0"/>
-                  </a:lnTo>
-                  <a:lnTo>
-                    <a:pt x="4687478" y="0"/>
-                  </a:lnTo>
-                  <a:lnTo>
-                    <a:pt x="4693362" y="579"/>
-                  </a:lnTo>
-                  <a:lnTo>
-                    <a:pt x="4699189" y="1738"/>
-                  </a:lnTo>
-                  <a:lnTo>
-                    <a:pt x="4705017" y="2897"/>
-                  </a:lnTo>
-                  <a:lnTo>
-                    <a:pt x="4731808" y="15249"/>
-                  </a:lnTo>
-                  <a:lnTo>
-                    <a:pt x="4736748" y="18550"/>
-                  </a:lnTo>
-                  <a:lnTo>
-                    <a:pt x="4762862" y="50369"/>
-                  </a:lnTo>
-                  <a:lnTo>
-                    <a:pt x="4765136" y="55859"/>
-                  </a:lnTo>
-                  <a:lnTo>
-                    <a:pt x="4767409" y="61348"/>
-                  </a:lnTo>
-                  <a:lnTo>
-                    <a:pt x="4769125" y="67006"/>
-                  </a:lnTo>
-                  <a:lnTo>
-                    <a:pt x="4770285" y="72834"/>
-                  </a:lnTo>
-                  <a:lnTo>
-                    <a:pt x="4771445" y="78661"/>
-                  </a:lnTo>
-                  <a:lnTo>
-                    <a:pt x="4772024" y="84545"/>
-                  </a:lnTo>
-                  <a:lnTo>
-                    <a:pt x="4772024" y="90487"/>
-                  </a:lnTo>
-                  <a:lnTo>
-                    <a:pt x="4772024" y="1585912"/>
-                  </a:lnTo>
-                  <a:lnTo>
-                    <a:pt x="4772024" y="1591853"/>
-                  </a:lnTo>
-                  <a:lnTo>
-                    <a:pt x="4771445" y="1597737"/>
-                  </a:lnTo>
-                  <a:lnTo>
-                    <a:pt x="4770285" y="1603565"/>
-                  </a:lnTo>
-                  <a:lnTo>
-                    <a:pt x="4769125" y="1609392"/>
-                  </a:lnTo>
-                  <a:lnTo>
-                    <a:pt x="4767409" y="1615050"/>
-                  </a:lnTo>
-                  <a:lnTo>
-                    <a:pt x="4765136" y="1620539"/>
-                  </a:lnTo>
-                  <a:lnTo>
-                    <a:pt x="4762862" y="1626029"/>
-                  </a:lnTo>
-                  <a:lnTo>
-                    <a:pt x="4745521" y="1649896"/>
-                  </a:lnTo>
-                  <a:lnTo>
-                    <a:pt x="4741319" y="1654097"/>
-                  </a:lnTo>
-                  <a:lnTo>
-                    <a:pt x="4736748" y="1657848"/>
-                  </a:lnTo>
-                  <a:lnTo>
-                    <a:pt x="4731808" y="1661149"/>
-                  </a:lnTo>
-                  <a:lnTo>
-                    <a:pt x="4726868" y="1664449"/>
-                  </a:lnTo>
-                  <a:lnTo>
-                    <a:pt x="4721653" y="1667237"/>
-                  </a:lnTo>
-                  <a:lnTo>
-                    <a:pt x="4716164" y="1669511"/>
-                  </a:lnTo>
-                  <a:lnTo>
-                    <a:pt x="4710675" y="1671785"/>
-                  </a:lnTo>
-                  <a:lnTo>
-                    <a:pt x="4705017" y="1673501"/>
-                  </a:lnTo>
-                  <a:lnTo>
-                    <a:pt x="4699189" y="1674660"/>
-                  </a:lnTo>
-                  <a:lnTo>
-                    <a:pt x="4693362" y="1675820"/>
-                  </a:lnTo>
-                  <a:lnTo>
-                    <a:pt x="4687478" y="1676399"/>
-                  </a:lnTo>
-                  <a:lnTo>
-                    <a:pt x="4681537" y="1676399"/>
-                  </a:lnTo>
-                  <a:lnTo>
-                    <a:pt x="90487" y="1676399"/>
-                  </a:lnTo>
-                  <a:lnTo>
-                    <a:pt x="84545" y="1676399"/>
-                  </a:lnTo>
-                  <a:lnTo>
-                    <a:pt x="78661" y="1675820"/>
-                  </a:lnTo>
-                  <a:lnTo>
-                    <a:pt x="72834" y="1674660"/>
-                  </a:lnTo>
-                  <a:lnTo>
-                    <a:pt x="67006" y="1673501"/>
-                  </a:lnTo>
-                  <a:lnTo>
-                    <a:pt x="61348" y="1671785"/>
-                  </a:lnTo>
-                  <a:lnTo>
-                    <a:pt x="55859" y="1669511"/>
-                  </a:lnTo>
-                  <a:lnTo>
-                    <a:pt x="50370" y="1667237"/>
-                  </a:lnTo>
-                  <a:lnTo>
-                    <a:pt x="26503" y="1649896"/>
-                  </a:lnTo>
-                  <a:lnTo>
-                    <a:pt x="22301" y="1645695"/>
-                  </a:lnTo>
-                  <a:lnTo>
-                    <a:pt x="18550" y="1641124"/>
-                  </a:lnTo>
-                  <a:lnTo>
-                    <a:pt x="15249" y="1636184"/>
-                  </a:lnTo>
-                  <a:lnTo>
-                    <a:pt x="11948" y="1631244"/>
-                  </a:lnTo>
-                  <a:lnTo>
-                    <a:pt x="9161" y="1626029"/>
-                  </a:lnTo>
-                  <a:lnTo>
-                    <a:pt x="6887" y="1620539"/>
-                  </a:lnTo>
-                  <a:lnTo>
-                    <a:pt x="4614" y="1615050"/>
-                  </a:lnTo>
-                  <a:lnTo>
-                    <a:pt x="2897" y="1609392"/>
-                  </a:lnTo>
-                  <a:lnTo>
-                    <a:pt x="1738" y="1603565"/>
-                  </a:lnTo>
-                  <a:lnTo>
-                    <a:pt x="579" y="1597737"/>
-                  </a:lnTo>
-                  <a:lnTo>
-                    <a:pt x="0" y="1591853"/>
-                  </a:lnTo>
-                  <a:lnTo>
-                    <a:pt x="0" y="1585912"/>
-                  </a:lnTo>
-                  <a:close/>
-                </a:path>
-              </a:pathLst>
-            </a:custGeom>
-            <a:ln w="9524">
-              <a:solidFill>
-                <a:srgbClr val="2F363C"/>
-              </a:solidFill>
-            </a:ln>
-          </p:spPr>
-          <p:txBody>
-            <a:bodyPr wrap="square" lIns="0" tIns="0" rIns="0" bIns="0" rtlCol="0"/>
-            <a:lstStyle/>
-            <a:p>
-              <a:endParaRPr/>
-            </a:p>
-          </p:txBody>
-        </p:sp>
-      </p:grpSp>
-      <p:grpSp>
-        <p:nvGrpSpPr>
-          <p:cNvPr id="9" name="object 8">
-            <a:extLst>
-              <a:ext uri="{FF2B5EF4-FFF2-40B4-BE49-F238E27FC236}">
-                <a16:creationId xmlns:a16="http://schemas.microsoft.com/office/drawing/2014/main" id="{61B5A0AF-2CA7-45B3-F392-9DCCC9F34A9F}"/>
-              </a:ext>
-            </a:extLst>
-          </p:cNvPr>
-          <p:cNvGrpSpPr/>
-          <p:nvPr/>
-        </p:nvGrpSpPr>
-        <p:grpSpPr>
-          <a:xfrm>
-            <a:off x="571499" y="3400424"/>
-            <a:ext cx="4781550" cy="2419350"/>
-            <a:chOff x="571499" y="3400424"/>
-            <a:chExt cx="4781550" cy="2419350"/>
-          </a:xfrm>
-        </p:grpSpPr>
-        <p:sp>
-          <p:nvSpPr>
-            <p:cNvPr id="10" name="object 9">
-              <a:extLst>
-                <a:ext uri="{FF2B5EF4-FFF2-40B4-BE49-F238E27FC236}">
-                  <a16:creationId xmlns:a16="http://schemas.microsoft.com/office/drawing/2014/main" id="{DE67561D-8E5E-1174-E305-A8E27FC44FD4}"/>
-                </a:ext>
-              </a:extLst>
-            </p:cNvPr>
-            <p:cNvSpPr/>
-            <p:nvPr/>
-          </p:nvSpPr>
-          <p:spPr>
-            <a:xfrm>
-              <a:off x="576262" y="3405187"/>
-              <a:ext cx="4772025" cy="2409825"/>
-            </a:xfrm>
-            <a:custGeom>
-              <a:avLst/>
-              <a:gdLst/>
-              <a:ahLst/>
-              <a:cxnLst/>
-              <a:rect l="l" t="t" r="r" b="b"/>
-              <a:pathLst>
-                <a:path w="4772025" h="2409825">
-                  <a:moveTo>
-                    <a:pt x="4687478" y="2409824"/>
-                  </a:moveTo>
-                  <a:lnTo>
-                    <a:pt x="84545" y="2409824"/>
-                  </a:lnTo>
-                  <a:lnTo>
-                    <a:pt x="78661" y="2409245"/>
-                  </a:lnTo>
-                  <a:lnTo>
-                    <a:pt x="35275" y="2391273"/>
-                  </a:lnTo>
-                  <a:lnTo>
-                    <a:pt x="9161" y="2359454"/>
-                  </a:lnTo>
-                  <a:lnTo>
-                    <a:pt x="0" y="2325278"/>
-                  </a:lnTo>
-                  <a:lnTo>
-                    <a:pt x="0" y="2319337"/>
-                  </a:lnTo>
-                  <a:lnTo>
-                    <a:pt x="0" y="84545"/>
-                  </a:lnTo>
-                  <a:lnTo>
-                    <a:pt x="11948" y="45154"/>
-                  </a:lnTo>
-                  <a:lnTo>
-                    <a:pt x="45155" y="11948"/>
-                  </a:lnTo>
-                  <a:lnTo>
-                    <a:pt x="84545" y="0"/>
-                  </a:lnTo>
-                  <a:lnTo>
-                    <a:pt x="4687478" y="0"/>
-                  </a:lnTo>
-                  <a:lnTo>
-                    <a:pt x="4726868" y="11948"/>
-                  </a:lnTo>
-                  <a:lnTo>
-                    <a:pt x="4760075" y="45154"/>
-                  </a:lnTo>
-                  <a:lnTo>
-                    <a:pt x="4772024" y="84545"/>
-                  </a:lnTo>
-                  <a:lnTo>
-                    <a:pt x="4772024" y="2325278"/>
-                  </a:lnTo>
-                  <a:lnTo>
-                    <a:pt x="4760075" y="2364668"/>
-                  </a:lnTo>
-                  <a:lnTo>
-                    <a:pt x="4726868" y="2397875"/>
-                  </a:lnTo>
-                  <a:lnTo>
-                    <a:pt x="4693362" y="2409245"/>
-                  </a:lnTo>
-                  <a:lnTo>
-                    <a:pt x="4687478" y="2409824"/>
-                  </a:lnTo>
-                  <a:close/>
-                </a:path>
-              </a:pathLst>
-            </a:custGeom>
-            <a:solidFill>
-              <a:srgbClr val="20252D">
-                <a:alpha val="70199"/>
-              </a:srgbClr>
-            </a:solidFill>
-          </p:spPr>
-          <p:txBody>
-            <a:bodyPr wrap="square" lIns="0" tIns="0" rIns="0" bIns="0" rtlCol="0"/>
-            <a:lstStyle/>
-            <a:p>
-              <a:endParaRPr/>
-            </a:p>
-          </p:txBody>
-        </p:sp>
-        <p:sp>
-          <p:nvSpPr>
-            <p:cNvPr id="11" name="object 10">
-              <a:extLst>
-                <a:ext uri="{FF2B5EF4-FFF2-40B4-BE49-F238E27FC236}">
-                  <a16:creationId xmlns:a16="http://schemas.microsoft.com/office/drawing/2014/main" id="{710A25B5-3AA4-CFE0-0FE3-309007C136FF}"/>
-                </a:ext>
-              </a:extLst>
-            </p:cNvPr>
-            <p:cNvSpPr/>
-            <p:nvPr/>
-          </p:nvSpPr>
-          <p:spPr>
-            <a:xfrm>
-              <a:off x="576262" y="3405187"/>
-              <a:ext cx="4772025" cy="2409825"/>
-            </a:xfrm>
-            <a:custGeom>
-              <a:avLst/>
-              <a:gdLst/>
-              <a:ahLst/>
-              <a:cxnLst/>
-              <a:rect l="l" t="t" r="r" b="b"/>
-              <a:pathLst>
-                <a:path w="4772025" h="2409825">
-                  <a:moveTo>
-                    <a:pt x="0" y="2319337"/>
-                  </a:moveTo>
-                  <a:lnTo>
-                    <a:pt x="0" y="90487"/>
-                  </a:lnTo>
-                  <a:lnTo>
-                    <a:pt x="0" y="84545"/>
-                  </a:lnTo>
-                  <a:lnTo>
-                    <a:pt x="579" y="78661"/>
-                  </a:lnTo>
-                  <a:lnTo>
-                    <a:pt x="1738" y="72834"/>
-                  </a:lnTo>
-                  <a:lnTo>
-                    <a:pt x="2897" y="67006"/>
-                  </a:lnTo>
-                  <a:lnTo>
-                    <a:pt x="4614" y="61348"/>
-                  </a:lnTo>
-                  <a:lnTo>
-                    <a:pt x="6887" y="55859"/>
-                  </a:lnTo>
-                  <a:lnTo>
-                    <a:pt x="9161" y="50369"/>
-                  </a:lnTo>
-                  <a:lnTo>
-                    <a:pt x="11948" y="45154"/>
-                  </a:lnTo>
-                  <a:lnTo>
-                    <a:pt x="15249" y="40214"/>
-                  </a:lnTo>
-                  <a:lnTo>
-                    <a:pt x="18550" y="35274"/>
-                  </a:lnTo>
-                  <a:lnTo>
-                    <a:pt x="22301" y="30703"/>
-                  </a:lnTo>
-                  <a:lnTo>
-                    <a:pt x="26503" y="26502"/>
-                  </a:lnTo>
-                  <a:lnTo>
-                    <a:pt x="30704" y="22301"/>
-                  </a:lnTo>
-                  <a:lnTo>
-                    <a:pt x="35275" y="18550"/>
-                  </a:lnTo>
-                  <a:lnTo>
-                    <a:pt x="40215" y="15249"/>
-                  </a:lnTo>
-                  <a:lnTo>
-                    <a:pt x="45155" y="11948"/>
-                  </a:lnTo>
-                  <a:lnTo>
-                    <a:pt x="50370" y="9161"/>
-                  </a:lnTo>
-                  <a:lnTo>
-                    <a:pt x="84545" y="0"/>
-                  </a:lnTo>
-                  <a:lnTo>
-                    <a:pt x="90487" y="0"/>
-                  </a:lnTo>
-                  <a:lnTo>
-                    <a:pt x="4681537" y="0"/>
-                  </a:lnTo>
-                  <a:lnTo>
-                    <a:pt x="4687478" y="0"/>
-                  </a:lnTo>
-                  <a:lnTo>
-                    <a:pt x="4693362" y="579"/>
-                  </a:lnTo>
-                  <a:lnTo>
-                    <a:pt x="4731808" y="15249"/>
-                  </a:lnTo>
-                  <a:lnTo>
-                    <a:pt x="4736748" y="18550"/>
-                  </a:lnTo>
-                  <a:lnTo>
-                    <a:pt x="4741319" y="22301"/>
-                  </a:lnTo>
-                  <a:lnTo>
-                    <a:pt x="4745521" y="26502"/>
-                  </a:lnTo>
-                  <a:lnTo>
-                    <a:pt x="4749722" y="30703"/>
-                  </a:lnTo>
-                  <a:lnTo>
-                    <a:pt x="4765136" y="55859"/>
-                  </a:lnTo>
-                  <a:lnTo>
-                    <a:pt x="4767409" y="61348"/>
-                  </a:lnTo>
-                  <a:lnTo>
-                    <a:pt x="4769125" y="67006"/>
-                  </a:lnTo>
-                  <a:lnTo>
-                    <a:pt x="4770285" y="72833"/>
-                  </a:lnTo>
-                  <a:lnTo>
-                    <a:pt x="4771445" y="78661"/>
-                  </a:lnTo>
-                  <a:lnTo>
-                    <a:pt x="4772024" y="84545"/>
-                  </a:lnTo>
-                  <a:lnTo>
-                    <a:pt x="4772024" y="90487"/>
-                  </a:lnTo>
-                  <a:lnTo>
-                    <a:pt x="4772024" y="2319337"/>
-                  </a:lnTo>
-                  <a:lnTo>
-                    <a:pt x="4772024" y="2325278"/>
-                  </a:lnTo>
-                  <a:lnTo>
-                    <a:pt x="4771445" y="2331162"/>
-                  </a:lnTo>
-                  <a:lnTo>
-                    <a:pt x="4770285" y="2336989"/>
-                  </a:lnTo>
-                  <a:lnTo>
-                    <a:pt x="4769125" y="2342817"/>
-                  </a:lnTo>
-                  <a:lnTo>
-                    <a:pt x="4767409" y="2348475"/>
-                  </a:lnTo>
-                  <a:lnTo>
-                    <a:pt x="4765136" y="2353964"/>
-                  </a:lnTo>
-                  <a:lnTo>
-                    <a:pt x="4762862" y="2359454"/>
-                  </a:lnTo>
-                  <a:lnTo>
-                    <a:pt x="4760075" y="2364668"/>
-                  </a:lnTo>
-                  <a:lnTo>
-                    <a:pt x="4756774" y="2369608"/>
-                  </a:lnTo>
-                  <a:lnTo>
-                    <a:pt x="4753473" y="2374549"/>
-                  </a:lnTo>
-                  <a:lnTo>
-                    <a:pt x="4749722" y="2379119"/>
-                  </a:lnTo>
-                  <a:lnTo>
-                    <a:pt x="4745521" y="2383321"/>
-                  </a:lnTo>
-                  <a:lnTo>
-                    <a:pt x="4741319" y="2387522"/>
-                  </a:lnTo>
-                  <a:lnTo>
-                    <a:pt x="4736748" y="2391273"/>
-                  </a:lnTo>
-                  <a:lnTo>
-                    <a:pt x="4731808" y="2394574"/>
-                  </a:lnTo>
-                  <a:lnTo>
-                    <a:pt x="4726868" y="2397875"/>
-                  </a:lnTo>
-                  <a:lnTo>
-                    <a:pt x="4721653" y="2400662"/>
-                  </a:lnTo>
-                  <a:lnTo>
-                    <a:pt x="4716164" y="2402936"/>
-                  </a:lnTo>
-                  <a:lnTo>
-                    <a:pt x="4710675" y="2405209"/>
-                  </a:lnTo>
-                  <a:lnTo>
-                    <a:pt x="4705017" y="2406926"/>
-                  </a:lnTo>
-                  <a:lnTo>
-                    <a:pt x="4699189" y="2408085"/>
-                  </a:lnTo>
-                  <a:lnTo>
-                    <a:pt x="4693362" y="2409245"/>
-                  </a:lnTo>
-                  <a:lnTo>
-                    <a:pt x="4687478" y="2409824"/>
-                  </a:lnTo>
-                  <a:lnTo>
-                    <a:pt x="4681537" y="2409824"/>
-                  </a:lnTo>
-                  <a:lnTo>
-                    <a:pt x="90487" y="2409824"/>
-                  </a:lnTo>
-                  <a:lnTo>
-                    <a:pt x="84545" y="2409824"/>
-                  </a:lnTo>
-                  <a:lnTo>
-                    <a:pt x="78661" y="2409245"/>
-                  </a:lnTo>
-                  <a:lnTo>
-                    <a:pt x="72834" y="2408085"/>
-                  </a:lnTo>
-                  <a:lnTo>
-                    <a:pt x="67006" y="2406926"/>
-                  </a:lnTo>
-                  <a:lnTo>
-                    <a:pt x="61348" y="2405209"/>
-                  </a:lnTo>
-                  <a:lnTo>
-                    <a:pt x="55859" y="2402936"/>
-                  </a:lnTo>
-                  <a:lnTo>
-                    <a:pt x="50370" y="2400662"/>
-                  </a:lnTo>
-                  <a:lnTo>
-                    <a:pt x="26503" y="2383321"/>
-                  </a:lnTo>
-                  <a:lnTo>
-                    <a:pt x="22301" y="2379119"/>
-                  </a:lnTo>
-                  <a:lnTo>
-                    <a:pt x="18550" y="2374549"/>
-                  </a:lnTo>
-                  <a:lnTo>
-                    <a:pt x="15249" y="2369608"/>
-                  </a:lnTo>
-                  <a:lnTo>
-                    <a:pt x="11948" y="2364668"/>
-                  </a:lnTo>
-                  <a:lnTo>
-                    <a:pt x="1738" y="2336989"/>
-                  </a:lnTo>
-                  <a:lnTo>
-                    <a:pt x="579" y="2331162"/>
-                  </a:lnTo>
-                  <a:lnTo>
-                    <a:pt x="0" y="2325278"/>
-                  </a:lnTo>
-                  <a:lnTo>
-                    <a:pt x="0" y="2319337"/>
-                  </a:lnTo>
-                  <a:close/>
-                </a:path>
-              </a:pathLst>
-            </a:custGeom>
-            <a:ln w="9524">
-              <a:solidFill>
-                <a:srgbClr val="2F363C"/>
-              </a:solidFill>
-            </a:ln>
-          </p:spPr>
-          <p:txBody>
-            <a:bodyPr wrap="square" lIns="0" tIns="0" rIns="0" bIns="0" rtlCol="0"/>
-            <a:lstStyle/>
-            <a:p>
-              <a:endParaRPr/>
-            </a:p>
-          </p:txBody>
-        </p:sp>
-      </p:grpSp>
-      <p:sp>
-        <p:nvSpPr>
-          <p:cNvPr id="15" name="object 14">
-            <a:extLst>
-              <a:ext uri="{FF2B5EF4-FFF2-40B4-BE49-F238E27FC236}">
-                <a16:creationId xmlns:a16="http://schemas.microsoft.com/office/drawing/2014/main" id="{73F87E62-968A-C058-8824-CF1A5B43E753}"/>
-              </a:ext>
-            </a:extLst>
-          </p:cNvPr>
-          <p:cNvSpPr txBox="1"/>
-          <p:nvPr/>
-        </p:nvSpPr>
-        <p:spPr>
-          <a:xfrm>
-            <a:off x="806449" y="1764241"/>
-            <a:ext cx="4199890" cy="1033144"/>
-          </a:xfrm>
-          <a:prstGeom prst="rect">
-            <a:avLst/>
-          </a:prstGeom>
-        </p:spPr>
-        <p:txBody>
-          <a:bodyPr vert="horz" wrap="square" lIns="0" tIns="13335" rIns="0" bIns="0" rtlCol="0">
-            <a:spAutoFit/>
-          </a:bodyPr>
-          <a:lstStyle/>
-          <a:p>
-            <a:pPr marL="12700">
-              <a:lnSpc>
-                <a:spcPct val="100000"/>
-              </a:lnSpc>
-              <a:spcBef>
-                <a:spcPts val="105"/>
-              </a:spcBef>
-            </a:pPr>
-            <a:r>
-              <a:rPr sz="1900" b="1" spc="-335" dirty="0">
-                <a:solidFill>
-                  <a:srgbClr val="58A6FF"/>
-                </a:solidFill>
-                <a:latin typeface="Malgun Gothic"/>
-                <a:cs typeface="Malgun Gothic"/>
-              </a:rPr>
-              <a:t>백포팅이란</a:t>
-            </a:r>
-            <a:r>
-              <a:rPr sz="1900" b="1" spc="-335" dirty="0">
-                <a:solidFill>
-                  <a:srgbClr val="58A6FF"/>
-                </a:solidFill>
-                <a:latin typeface="Noto Sans JP"/>
-                <a:cs typeface="Noto Sans JP"/>
-              </a:rPr>
-              <a:t>?</a:t>
-            </a:r>
-            <a:endParaRPr sz="1900" dirty="0">
-              <a:latin typeface="Noto Sans JP"/>
-              <a:cs typeface="Noto Sans JP"/>
-            </a:endParaRPr>
-          </a:p>
-          <a:p>
-            <a:pPr marL="12700" marR="5080">
-              <a:lnSpc>
-                <a:spcPct val="117200"/>
-              </a:lnSpc>
-              <a:spcBef>
-                <a:spcPts val="1140"/>
-              </a:spcBef>
-            </a:pPr>
-            <a:r>
-              <a:rPr sz="1600" spc="-295" dirty="0">
-                <a:solidFill>
-                  <a:srgbClr val="C8D0D9"/>
-                </a:solidFill>
-                <a:latin typeface="Dotum"/>
-                <a:cs typeface="Dotum"/>
-              </a:rPr>
-              <a:t>최신</a:t>
-            </a:r>
-            <a:r>
-              <a:rPr sz="1600" spc="-125" dirty="0">
-                <a:solidFill>
-                  <a:srgbClr val="C8D0D9"/>
-                </a:solidFill>
-                <a:latin typeface="Dotum"/>
-                <a:cs typeface="Dotum"/>
-              </a:rPr>
-              <a:t> </a:t>
-            </a:r>
-            <a:r>
-              <a:rPr sz="1600" spc="-295" dirty="0">
-                <a:solidFill>
-                  <a:srgbClr val="C8D0D9"/>
-                </a:solidFill>
-                <a:latin typeface="Dotum"/>
-                <a:cs typeface="Dotum"/>
-              </a:rPr>
-              <a:t>소프트웨어의</a:t>
-            </a:r>
-            <a:r>
-              <a:rPr sz="1600" spc="-125" dirty="0">
-                <a:solidFill>
-                  <a:srgbClr val="C8D0D9"/>
-                </a:solidFill>
-                <a:latin typeface="Dotum"/>
-                <a:cs typeface="Dotum"/>
-              </a:rPr>
-              <a:t> </a:t>
-            </a:r>
-            <a:r>
-              <a:rPr sz="1600" spc="-295" dirty="0">
-                <a:solidFill>
-                  <a:srgbClr val="C8D0D9"/>
-                </a:solidFill>
-                <a:latin typeface="Dotum"/>
-                <a:cs typeface="Dotum"/>
-              </a:rPr>
-              <a:t>기능이나</a:t>
-            </a:r>
-            <a:r>
-              <a:rPr sz="1600" spc="-125" dirty="0">
-                <a:solidFill>
-                  <a:srgbClr val="C8D0D9"/>
-                </a:solidFill>
-                <a:latin typeface="Dotum"/>
-                <a:cs typeface="Dotum"/>
-              </a:rPr>
-              <a:t> </a:t>
-            </a:r>
-            <a:r>
-              <a:rPr sz="1600" spc="-295" dirty="0">
-                <a:solidFill>
-                  <a:srgbClr val="C8D0D9"/>
-                </a:solidFill>
-                <a:latin typeface="Dotum"/>
-                <a:cs typeface="Dotum"/>
-              </a:rPr>
-              <a:t>수정</a:t>
-            </a:r>
-            <a:r>
-              <a:rPr sz="1600" spc="-120" dirty="0">
-                <a:solidFill>
-                  <a:srgbClr val="C8D0D9"/>
-                </a:solidFill>
-                <a:latin typeface="Dotum"/>
-                <a:cs typeface="Dotum"/>
-              </a:rPr>
-              <a:t> </a:t>
-            </a:r>
-            <a:r>
-              <a:rPr sz="1600" spc="-295" dirty="0">
-                <a:solidFill>
-                  <a:srgbClr val="C8D0D9"/>
-                </a:solidFill>
-                <a:latin typeface="Dotum"/>
-                <a:cs typeface="Dotum"/>
-              </a:rPr>
-              <a:t>사항을</a:t>
-            </a:r>
-            <a:r>
-              <a:rPr sz="1600" spc="-125" dirty="0">
-                <a:solidFill>
-                  <a:srgbClr val="C8D0D9"/>
-                </a:solidFill>
-                <a:latin typeface="Dotum"/>
-                <a:cs typeface="Dotum"/>
-              </a:rPr>
-              <a:t> </a:t>
-            </a:r>
-            <a:r>
-              <a:rPr sz="1600" spc="-295" dirty="0">
-                <a:solidFill>
-                  <a:srgbClr val="C8D0D9"/>
-                </a:solidFill>
-                <a:latin typeface="Dotum"/>
-                <a:cs typeface="Dotum"/>
-              </a:rPr>
-              <a:t>이전</a:t>
-            </a:r>
-            <a:r>
-              <a:rPr sz="1600" spc="-125" dirty="0">
-                <a:solidFill>
-                  <a:srgbClr val="C8D0D9"/>
-                </a:solidFill>
-                <a:latin typeface="Dotum"/>
-                <a:cs typeface="Dotum"/>
-              </a:rPr>
-              <a:t> </a:t>
-            </a:r>
-            <a:r>
-              <a:rPr sz="1600" spc="-315" dirty="0">
-                <a:solidFill>
-                  <a:srgbClr val="C8D0D9"/>
-                </a:solidFill>
-                <a:latin typeface="Dotum"/>
-                <a:cs typeface="Dotum"/>
-              </a:rPr>
-              <a:t>버전으로 </a:t>
-            </a:r>
-            <a:r>
-              <a:rPr sz="1600" spc="-295" dirty="0">
-                <a:solidFill>
-                  <a:srgbClr val="C8D0D9"/>
-                </a:solidFill>
-                <a:latin typeface="Dotum"/>
-                <a:cs typeface="Dotum"/>
-              </a:rPr>
-              <a:t>적용하는</a:t>
-            </a:r>
-            <a:r>
-              <a:rPr sz="1600" spc="-125" dirty="0">
-                <a:solidFill>
-                  <a:srgbClr val="C8D0D9"/>
-                </a:solidFill>
-                <a:latin typeface="Dotum"/>
-                <a:cs typeface="Dotum"/>
-              </a:rPr>
-              <a:t> </a:t>
-            </a:r>
-            <a:r>
-              <a:rPr sz="1600" spc="-330" dirty="0">
-                <a:solidFill>
-                  <a:srgbClr val="C8D0D9"/>
-                </a:solidFill>
-                <a:latin typeface="Dotum"/>
-                <a:cs typeface="Dotum"/>
-              </a:rPr>
-              <a:t>작업</a:t>
-            </a:r>
-            <a:endParaRPr sz="1600" dirty="0">
-              <a:latin typeface="Dotum"/>
-              <a:cs typeface="Dotum"/>
-            </a:endParaRPr>
-          </a:p>
-        </p:txBody>
-      </p:sp>
-      <p:sp>
-        <p:nvSpPr>
-          <p:cNvPr id="16" name="object 15">
-            <a:extLst>
-              <a:ext uri="{FF2B5EF4-FFF2-40B4-BE49-F238E27FC236}">
-                <a16:creationId xmlns:a16="http://schemas.microsoft.com/office/drawing/2014/main" id="{5B56A9ED-DA4C-D449-72FD-F86E080ED3DA}"/>
-              </a:ext>
-            </a:extLst>
-          </p:cNvPr>
-          <p:cNvSpPr txBox="1"/>
-          <p:nvPr/>
-        </p:nvSpPr>
-        <p:spPr>
-          <a:xfrm>
-            <a:off x="806449" y="3640666"/>
-            <a:ext cx="4302760" cy="1766570"/>
-          </a:xfrm>
-          <a:prstGeom prst="rect">
-            <a:avLst/>
-          </a:prstGeom>
-        </p:spPr>
-        <p:txBody>
-          <a:bodyPr vert="horz" wrap="square" lIns="0" tIns="13335" rIns="0" bIns="0" rtlCol="0">
-            <a:spAutoFit/>
-          </a:bodyPr>
-          <a:lstStyle/>
-          <a:p>
-            <a:pPr marL="12700">
-              <a:lnSpc>
-                <a:spcPct val="100000"/>
-              </a:lnSpc>
-              <a:spcBef>
-                <a:spcPts val="105"/>
-              </a:spcBef>
-            </a:pPr>
-            <a:r>
-              <a:rPr sz="1900" b="1" spc="-365" dirty="0">
-                <a:solidFill>
-                  <a:srgbClr val="58A6FF"/>
-                </a:solidFill>
-                <a:latin typeface="Malgun Gothic"/>
-                <a:cs typeface="Malgun Gothic"/>
-              </a:rPr>
-              <a:t>팀의</a:t>
-            </a:r>
-            <a:r>
-              <a:rPr sz="1900" b="1" spc="-200" dirty="0">
-                <a:solidFill>
-                  <a:srgbClr val="58A6FF"/>
-                </a:solidFill>
-                <a:latin typeface="Malgun Gothic"/>
-                <a:cs typeface="Malgun Gothic"/>
-              </a:rPr>
-              <a:t> </a:t>
-            </a:r>
-            <a:r>
-              <a:rPr sz="1900" b="1" spc="-365" dirty="0">
-                <a:solidFill>
-                  <a:srgbClr val="58A6FF"/>
-                </a:solidFill>
-                <a:latin typeface="Malgun Gothic"/>
-                <a:cs typeface="Malgun Gothic"/>
-              </a:rPr>
-              <a:t>백포팅</a:t>
-            </a:r>
-            <a:r>
-              <a:rPr sz="1900" b="1" spc="-200" dirty="0">
-                <a:solidFill>
-                  <a:srgbClr val="58A6FF"/>
-                </a:solidFill>
-                <a:latin typeface="Malgun Gothic"/>
-                <a:cs typeface="Malgun Gothic"/>
-              </a:rPr>
-              <a:t> </a:t>
-            </a:r>
-            <a:r>
-              <a:rPr sz="1900" b="1" spc="-365" dirty="0">
-                <a:solidFill>
-                  <a:srgbClr val="58A6FF"/>
-                </a:solidFill>
-                <a:latin typeface="Malgun Gothic"/>
-                <a:cs typeface="Malgun Gothic"/>
-              </a:rPr>
-              <a:t>전략</a:t>
-            </a:r>
-            <a:r>
-              <a:rPr sz="1900" b="1" spc="-200" dirty="0">
-                <a:solidFill>
-                  <a:srgbClr val="58A6FF"/>
-                </a:solidFill>
-                <a:latin typeface="Malgun Gothic"/>
-                <a:cs typeface="Malgun Gothic"/>
-              </a:rPr>
-              <a:t> </a:t>
-            </a:r>
-            <a:r>
-              <a:rPr sz="1900" b="1" dirty="0">
-                <a:solidFill>
-                  <a:srgbClr val="58A6FF"/>
-                </a:solidFill>
-                <a:latin typeface="Noto Sans JP"/>
-                <a:cs typeface="Noto Sans JP"/>
-              </a:rPr>
-              <a:t>-</a:t>
-            </a:r>
-            <a:r>
-              <a:rPr sz="1900" b="1" spc="-45" dirty="0">
-                <a:solidFill>
-                  <a:srgbClr val="58A6FF"/>
-                </a:solidFill>
-                <a:latin typeface="Noto Sans JP"/>
-                <a:cs typeface="Noto Sans JP"/>
-              </a:rPr>
-              <a:t> </a:t>
-            </a:r>
-            <a:r>
-              <a:rPr sz="1900" b="1" spc="-280" dirty="0">
-                <a:solidFill>
-                  <a:srgbClr val="58A6FF"/>
-                </a:solidFill>
-                <a:latin typeface="Noto Sans JP"/>
-                <a:cs typeface="Noto Sans JP"/>
-              </a:rPr>
-              <a:t>'</a:t>
-            </a:r>
-            <a:r>
-              <a:rPr sz="1900" b="1" spc="-280" dirty="0">
-                <a:solidFill>
-                  <a:srgbClr val="58A6FF"/>
-                </a:solidFill>
-                <a:latin typeface="Malgun Gothic"/>
-                <a:cs typeface="Malgun Gothic"/>
-              </a:rPr>
-              <a:t>기차놀이</a:t>
-            </a:r>
-            <a:r>
-              <a:rPr sz="1900" b="1" spc="-280" dirty="0">
-                <a:solidFill>
-                  <a:srgbClr val="58A6FF"/>
-                </a:solidFill>
-                <a:latin typeface="Noto Sans JP"/>
-                <a:cs typeface="Noto Sans JP"/>
-              </a:rPr>
-              <a:t>'</a:t>
-            </a:r>
-            <a:endParaRPr sz="1900" dirty="0">
-              <a:latin typeface="Noto Sans JP"/>
-              <a:cs typeface="Noto Sans JP"/>
-            </a:endParaRPr>
-          </a:p>
-          <a:p>
-            <a:pPr marL="12700" marR="5080">
-              <a:lnSpc>
-                <a:spcPct val="117200"/>
-              </a:lnSpc>
-              <a:spcBef>
-                <a:spcPts val="1140"/>
-              </a:spcBef>
-            </a:pPr>
-            <a:r>
-              <a:rPr sz="1600" spc="-295" dirty="0">
-                <a:solidFill>
-                  <a:srgbClr val="58A6FF"/>
-                </a:solidFill>
-                <a:latin typeface="Dotum"/>
-                <a:cs typeface="Dotum"/>
-              </a:rPr>
-              <a:t>앞쪽</a:t>
-            </a:r>
-            <a:r>
-              <a:rPr sz="1600" spc="-125" dirty="0">
-                <a:solidFill>
-                  <a:srgbClr val="58A6FF"/>
-                </a:solidFill>
-                <a:latin typeface="Dotum"/>
-                <a:cs typeface="Dotum"/>
-              </a:rPr>
-              <a:t> </a:t>
-            </a:r>
-            <a:r>
-              <a:rPr sz="1600" spc="-295" dirty="0">
-                <a:solidFill>
-                  <a:srgbClr val="58A6FF"/>
-                </a:solidFill>
-                <a:latin typeface="Dotum"/>
-                <a:cs typeface="Dotum"/>
-              </a:rPr>
-              <a:t>날짜</a:t>
-            </a:r>
-            <a:r>
-              <a:rPr sz="1600" spc="-125" dirty="0">
-                <a:solidFill>
-                  <a:srgbClr val="58A6FF"/>
-                </a:solidFill>
-                <a:latin typeface="Dotum"/>
-                <a:cs typeface="Dotum"/>
-              </a:rPr>
-              <a:t> </a:t>
-            </a:r>
-            <a:r>
-              <a:rPr sz="1600" spc="-295" dirty="0">
-                <a:solidFill>
-                  <a:srgbClr val="C8D0D9"/>
-                </a:solidFill>
-                <a:latin typeface="Dotum"/>
-                <a:cs typeface="Dotum"/>
-              </a:rPr>
-              <a:t>배포</a:t>
-            </a:r>
-            <a:r>
-              <a:rPr sz="1600" spc="-125" dirty="0">
-                <a:solidFill>
-                  <a:srgbClr val="C8D0D9"/>
-                </a:solidFill>
-                <a:latin typeface="Dotum"/>
-                <a:cs typeface="Dotum"/>
-              </a:rPr>
-              <a:t> </a:t>
-            </a:r>
-            <a:r>
-              <a:rPr sz="1600" spc="-295" dirty="0">
-                <a:solidFill>
-                  <a:srgbClr val="C8D0D9"/>
-                </a:solidFill>
-                <a:latin typeface="Dotum"/>
-                <a:cs typeface="Dotum"/>
-              </a:rPr>
-              <a:t>브랜치의</a:t>
-            </a:r>
-            <a:r>
-              <a:rPr sz="1600" spc="-125" dirty="0">
-                <a:solidFill>
-                  <a:srgbClr val="C8D0D9"/>
-                </a:solidFill>
-                <a:latin typeface="Dotum"/>
-                <a:cs typeface="Dotum"/>
-              </a:rPr>
-              <a:t> </a:t>
-            </a:r>
-            <a:r>
-              <a:rPr sz="1600" spc="-295" dirty="0">
-                <a:solidFill>
-                  <a:srgbClr val="C8D0D9"/>
-                </a:solidFill>
-                <a:latin typeface="Dotum"/>
-                <a:cs typeface="Dotum"/>
-              </a:rPr>
-              <a:t>변경사항을</a:t>
-            </a:r>
-            <a:r>
-              <a:rPr sz="1600" spc="-125" dirty="0">
-                <a:solidFill>
-                  <a:srgbClr val="C8D0D9"/>
-                </a:solidFill>
-                <a:latin typeface="Dotum"/>
-                <a:cs typeface="Dotum"/>
-              </a:rPr>
-              <a:t> </a:t>
-            </a:r>
-            <a:r>
-              <a:rPr sz="1600" spc="-295" dirty="0">
-                <a:solidFill>
-                  <a:srgbClr val="58A6FF"/>
-                </a:solidFill>
-                <a:latin typeface="Dotum"/>
-                <a:cs typeface="Dotum"/>
-              </a:rPr>
-              <a:t>뒤쪽</a:t>
-            </a:r>
-            <a:r>
-              <a:rPr sz="1600" spc="-125" dirty="0">
-                <a:solidFill>
-                  <a:srgbClr val="58A6FF"/>
-                </a:solidFill>
-                <a:latin typeface="Dotum"/>
-                <a:cs typeface="Dotum"/>
-              </a:rPr>
-              <a:t> </a:t>
-            </a:r>
-            <a:r>
-              <a:rPr sz="1600" spc="-295" dirty="0">
-                <a:solidFill>
-                  <a:srgbClr val="58A6FF"/>
-                </a:solidFill>
-                <a:latin typeface="Dotum"/>
-                <a:cs typeface="Dotum"/>
-              </a:rPr>
-              <a:t>날짜</a:t>
-            </a:r>
-            <a:r>
-              <a:rPr sz="1600" spc="-125" dirty="0">
-                <a:solidFill>
-                  <a:srgbClr val="58A6FF"/>
-                </a:solidFill>
-                <a:latin typeface="Dotum"/>
-                <a:cs typeface="Dotum"/>
-              </a:rPr>
-              <a:t> </a:t>
-            </a:r>
-            <a:r>
-              <a:rPr sz="1600" spc="-295" dirty="0">
-                <a:solidFill>
-                  <a:srgbClr val="C8D0D9"/>
-                </a:solidFill>
-                <a:latin typeface="Dotum"/>
-                <a:cs typeface="Dotum"/>
-              </a:rPr>
-              <a:t>배포</a:t>
-            </a:r>
-            <a:r>
-              <a:rPr sz="1600" spc="-125" dirty="0">
-                <a:solidFill>
-                  <a:srgbClr val="C8D0D9"/>
-                </a:solidFill>
-                <a:latin typeface="Dotum"/>
-                <a:cs typeface="Dotum"/>
-              </a:rPr>
-              <a:t> </a:t>
-            </a:r>
-            <a:r>
-              <a:rPr sz="1600" spc="-320" dirty="0">
-                <a:solidFill>
-                  <a:srgbClr val="C8D0D9"/>
-                </a:solidFill>
-                <a:latin typeface="Dotum"/>
-                <a:cs typeface="Dotum"/>
-              </a:rPr>
-              <a:t>브랜 </a:t>
-            </a:r>
-            <a:r>
-              <a:rPr sz="1600" spc="-295" dirty="0">
-                <a:solidFill>
-                  <a:srgbClr val="C8D0D9"/>
-                </a:solidFill>
-                <a:latin typeface="Dotum"/>
-                <a:cs typeface="Dotum"/>
-              </a:rPr>
-              <a:t>치에</a:t>
-            </a:r>
-            <a:r>
-              <a:rPr sz="1600" spc="-130" dirty="0">
-                <a:solidFill>
-                  <a:srgbClr val="C8D0D9"/>
-                </a:solidFill>
-                <a:latin typeface="Dotum"/>
-                <a:cs typeface="Dotum"/>
-              </a:rPr>
-              <a:t> </a:t>
-            </a:r>
-            <a:r>
-              <a:rPr sz="1600" spc="-315" dirty="0">
-                <a:solidFill>
-                  <a:srgbClr val="C8D0D9"/>
-                </a:solidFill>
-                <a:latin typeface="Dotum"/>
-                <a:cs typeface="Dotum"/>
-              </a:rPr>
-              <a:t>리베이스</a:t>
-            </a:r>
-            <a:endParaRPr sz="1600" dirty="0">
-              <a:latin typeface="Dotum"/>
-              <a:cs typeface="Dotum"/>
-            </a:endParaRPr>
-          </a:p>
-          <a:p>
-            <a:pPr marL="12700" marR="55880">
-              <a:lnSpc>
-                <a:spcPct val="121100"/>
-              </a:lnSpc>
-              <a:spcBef>
-                <a:spcPts val="1125"/>
-              </a:spcBef>
-            </a:pPr>
-            <a:r>
-              <a:rPr sz="1600" spc="-290" dirty="0">
-                <a:solidFill>
-                  <a:srgbClr val="C8D0D9"/>
-                </a:solidFill>
-                <a:latin typeface="Dotum"/>
-                <a:cs typeface="Dotum"/>
-              </a:rPr>
-              <a:t>이</a:t>
-            </a:r>
-            <a:r>
-              <a:rPr sz="1600" spc="-125" dirty="0">
-                <a:solidFill>
-                  <a:srgbClr val="C8D0D9"/>
-                </a:solidFill>
-                <a:latin typeface="Dotum"/>
-                <a:cs typeface="Dotum"/>
-              </a:rPr>
-              <a:t> </a:t>
-            </a:r>
-            <a:r>
-              <a:rPr sz="1600" spc="-295" dirty="0">
-                <a:solidFill>
-                  <a:srgbClr val="C8D0D9"/>
-                </a:solidFill>
-                <a:latin typeface="Dotum"/>
-                <a:cs typeface="Dotum"/>
-              </a:rPr>
-              <a:t>과정을</a:t>
-            </a:r>
-            <a:r>
-              <a:rPr sz="1600" spc="-125" dirty="0">
-                <a:solidFill>
-                  <a:srgbClr val="C8D0D9"/>
-                </a:solidFill>
-                <a:latin typeface="Dotum"/>
-                <a:cs typeface="Dotum"/>
-              </a:rPr>
-              <a:t> </a:t>
-            </a:r>
-            <a:r>
-              <a:rPr sz="1600" spc="-295" dirty="0">
-                <a:solidFill>
-                  <a:srgbClr val="C8D0D9"/>
-                </a:solidFill>
-                <a:latin typeface="Dotum"/>
-                <a:cs typeface="Dotum"/>
-              </a:rPr>
-              <a:t>연쇄적으로</a:t>
-            </a:r>
-            <a:r>
-              <a:rPr sz="1600" spc="-125" dirty="0">
-                <a:solidFill>
-                  <a:srgbClr val="C8D0D9"/>
-                </a:solidFill>
-                <a:latin typeface="Dotum"/>
-                <a:cs typeface="Dotum"/>
-              </a:rPr>
-              <a:t> </a:t>
-            </a:r>
-            <a:r>
-              <a:rPr sz="1600" spc="-295" dirty="0">
-                <a:solidFill>
-                  <a:srgbClr val="C8D0D9"/>
-                </a:solidFill>
-                <a:latin typeface="Dotum"/>
-                <a:cs typeface="Dotum"/>
-              </a:rPr>
-              <a:t>수행하여</a:t>
-            </a:r>
-            <a:r>
-              <a:rPr sz="1600" spc="-125" dirty="0">
-                <a:solidFill>
-                  <a:srgbClr val="C8D0D9"/>
-                </a:solidFill>
-                <a:latin typeface="Dotum"/>
-                <a:cs typeface="Dotum"/>
-              </a:rPr>
-              <a:t> </a:t>
-            </a:r>
-            <a:r>
-              <a:rPr sz="1600" spc="-295" dirty="0">
-                <a:solidFill>
-                  <a:srgbClr val="58A6FF"/>
-                </a:solidFill>
-                <a:latin typeface="Dotum"/>
-                <a:cs typeface="Dotum"/>
-              </a:rPr>
-              <a:t>가장</a:t>
-            </a:r>
-            <a:r>
-              <a:rPr sz="1600" spc="-125" dirty="0">
-                <a:solidFill>
-                  <a:srgbClr val="58A6FF"/>
-                </a:solidFill>
-                <a:latin typeface="Dotum"/>
-                <a:cs typeface="Dotum"/>
-              </a:rPr>
-              <a:t> </a:t>
-            </a:r>
-            <a:r>
-              <a:rPr sz="1600" spc="-295" dirty="0">
-                <a:solidFill>
-                  <a:srgbClr val="58A6FF"/>
-                </a:solidFill>
-                <a:latin typeface="Dotum"/>
-                <a:cs typeface="Dotum"/>
-              </a:rPr>
-              <a:t>마지막</a:t>
-            </a:r>
-            <a:r>
-              <a:rPr sz="1600" spc="-125" dirty="0">
-                <a:solidFill>
-                  <a:srgbClr val="58A6FF"/>
-                </a:solidFill>
-                <a:latin typeface="Dotum"/>
-                <a:cs typeface="Dotum"/>
-              </a:rPr>
-              <a:t> </a:t>
-            </a:r>
-            <a:r>
-              <a:rPr sz="1600" spc="-295" dirty="0">
-                <a:solidFill>
-                  <a:srgbClr val="58A6FF"/>
-                </a:solidFill>
-                <a:latin typeface="Dotum"/>
-                <a:cs typeface="Dotum"/>
-              </a:rPr>
-              <a:t>배포</a:t>
-            </a:r>
-            <a:r>
-              <a:rPr sz="1600" spc="-125" dirty="0">
-                <a:solidFill>
-                  <a:srgbClr val="58A6FF"/>
-                </a:solidFill>
-                <a:latin typeface="Dotum"/>
-                <a:cs typeface="Dotum"/>
-              </a:rPr>
-              <a:t> </a:t>
-            </a:r>
-            <a:r>
-              <a:rPr sz="1600" spc="-320" dirty="0">
-                <a:solidFill>
-                  <a:srgbClr val="58A6FF"/>
-                </a:solidFill>
-                <a:latin typeface="Dotum"/>
-                <a:cs typeface="Dotum"/>
-              </a:rPr>
-              <a:t>브랜치 </a:t>
-            </a:r>
-            <a:r>
-              <a:rPr sz="1600" spc="-295" dirty="0">
-                <a:solidFill>
-                  <a:srgbClr val="C8D0D9"/>
-                </a:solidFill>
-                <a:latin typeface="Dotum"/>
-                <a:cs typeface="Dotum"/>
-              </a:rPr>
-              <a:t>에는</a:t>
-            </a:r>
-            <a:r>
-              <a:rPr sz="1600" spc="-125" dirty="0">
-                <a:solidFill>
-                  <a:srgbClr val="C8D0D9"/>
-                </a:solidFill>
-                <a:latin typeface="Dotum"/>
-                <a:cs typeface="Dotum"/>
-              </a:rPr>
-              <a:t> </a:t>
-            </a:r>
-            <a:r>
-              <a:rPr sz="1600" spc="-295" dirty="0">
-                <a:solidFill>
-                  <a:srgbClr val="58A6FF"/>
-                </a:solidFill>
-                <a:latin typeface="Dotum"/>
-                <a:cs typeface="Dotum"/>
-              </a:rPr>
-              <a:t>모든</a:t>
-            </a:r>
-            <a:r>
-              <a:rPr sz="1600" spc="-125" dirty="0">
-                <a:solidFill>
-                  <a:srgbClr val="58A6FF"/>
-                </a:solidFill>
-                <a:latin typeface="Dotum"/>
-                <a:cs typeface="Dotum"/>
-              </a:rPr>
-              <a:t> </a:t>
-            </a:r>
-            <a:r>
-              <a:rPr sz="1600" spc="-295" dirty="0">
-                <a:solidFill>
-                  <a:srgbClr val="58A6FF"/>
-                </a:solidFill>
-                <a:latin typeface="Dotum"/>
-                <a:cs typeface="Dotum"/>
-              </a:rPr>
-              <a:t>기능</a:t>
-            </a:r>
-            <a:r>
-              <a:rPr sz="1600" spc="-295" dirty="0">
-                <a:solidFill>
-                  <a:srgbClr val="C8D0D9"/>
-                </a:solidFill>
-                <a:latin typeface="Dotum"/>
-                <a:cs typeface="Dotum"/>
-              </a:rPr>
-              <a:t>이</a:t>
-            </a:r>
-            <a:r>
-              <a:rPr sz="1600" spc="-125" dirty="0">
-                <a:solidFill>
-                  <a:srgbClr val="C8D0D9"/>
-                </a:solidFill>
-                <a:latin typeface="Dotum"/>
-                <a:cs typeface="Dotum"/>
-              </a:rPr>
-              <a:t> </a:t>
-            </a:r>
-            <a:r>
-              <a:rPr sz="1600" spc="-295" dirty="0">
-                <a:solidFill>
-                  <a:srgbClr val="C8D0D9"/>
-                </a:solidFill>
-                <a:latin typeface="Dotum"/>
-                <a:cs typeface="Dotum"/>
-              </a:rPr>
-              <a:t>포함되도록</a:t>
-            </a:r>
-            <a:r>
-              <a:rPr sz="1600" spc="-125" dirty="0">
-                <a:solidFill>
-                  <a:srgbClr val="C8D0D9"/>
-                </a:solidFill>
-                <a:latin typeface="Dotum"/>
-                <a:cs typeface="Dotum"/>
-              </a:rPr>
-              <a:t> </a:t>
-            </a:r>
-            <a:r>
-              <a:rPr sz="1600" spc="-340" dirty="0">
-                <a:solidFill>
-                  <a:srgbClr val="C8D0D9"/>
-                </a:solidFill>
-                <a:latin typeface="Dotum"/>
-                <a:cs typeface="Dotum"/>
-              </a:rPr>
-              <a:t>함</a:t>
-            </a:r>
-            <a:endParaRPr sz="1600" dirty="0">
-              <a:latin typeface="Dotum"/>
-              <a:cs typeface="Dotum"/>
-            </a:endParaRPr>
-          </a:p>
-        </p:txBody>
-      </p:sp>
-      <p:grpSp>
-        <p:nvGrpSpPr>
-          <p:cNvPr id="21" name="object 8">
-            <a:extLst>
-              <a:ext uri="{FF2B5EF4-FFF2-40B4-BE49-F238E27FC236}">
-                <a16:creationId xmlns:a16="http://schemas.microsoft.com/office/drawing/2014/main" id="{970F529B-1637-EB07-0498-DF6DE5EC4DB5}"/>
-              </a:ext>
-            </a:extLst>
-          </p:cNvPr>
-          <p:cNvGrpSpPr/>
-          <p:nvPr/>
-        </p:nvGrpSpPr>
-        <p:grpSpPr>
-          <a:xfrm>
-            <a:off x="6114097" y="1528762"/>
-            <a:ext cx="4781550" cy="4291012"/>
-            <a:chOff x="571499" y="3400424"/>
-            <a:chExt cx="4781550" cy="2419350"/>
-          </a:xfrm>
-        </p:grpSpPr>
-        <p:sp>
-          <p:nvSpPr>
-            <p:cNvPr id="22" name="object 9">
-              <a:extLst>
-                <a:ext uri="{FF2B5EF4-FFF2-40B4-BE49-F238E27FC236}">
-                  <a16:creationId xmlns:a16="http://schemas.microsoft.com/office/drawing/2014/main" id="{8268BB40-8AAE-CD06-3DCC-FF459E33DD45}"/>
-                </a:ext>
-              </a:extLst>
-            </p:cNvPr>
-            <p:cNvSpPr/>
-            <p:nvPr/>
-          </p:nvSpPr>
-          <p:spPr>
-            <a:xfrm>
-              <a:off x="576262" y="3405187"/>
-              <a:ext cx="4772025" cy="2409825"/>
-            </a:xfrm>
-            <a:custGeom>
-              <a:avLst/>
-              <a:gdLst/>
-              <a:ahLst/>
-              <a:cxnLst/>
-              <a:rect l="l" t="t" r="r" b="b"/>
-              <a:pathLst>
-                <a:path w="4772025" h="2409825">
-                  <a:moveTo>
-                    <a:pt x="4687478" y="2409824"/>
-                  </a:moveTo>
-                  <a:lnTo>
-                    <a:pt x="84545" y="2409824"/>
-                  </a:lnTo>
-                  <a:lnTo>
-                    <a:pt x="78661" y="2409245"/>
-                  </a:lnTo>
-                  <a:lnTo>
-                    <a:pt x="35275" y="2391273"/>
-                  </a:lnTo>
-                  <a:lnTo>
-                    <a:pt x="9161" y="2359454"/>
-                  </a:lnTo>
-                  <a:lnTo>
-                    <a:pt x="0" y="2325278"/>
-                  </a:lnTo>
-                  <a:lnTo>
-                    <a:pt x="0" y="2319337"/>
-                  </a:lnTo>
-                  <a:lnTo>
-                    <a:pt x="0" y="84545"/>
-                  </a:lnTo>
-                  <a:lnTo>
-                    <a:pt x="11948" y="45154"/>
-                  </a:lnTo>
-                  <a:lnTo>
-                    <a:pt x="45155" y="11948"/>
-                  </a:lnTo>
-                  <a:lnTo>
-                    <a:pt x="84545" y="0"/>
-                  </a:lnTo>
-                  <a:lnTo>
-                    <a:pt x="4687478" y="0"/>
-                  </a:lnTo>
-                  <a:lnTo>
-                    <a:pt x="4726868" y="11948"/>
-                  </a:lnTo>
-                  <a:lnTo>
-                    <a:pt x="4760075" y="45154"/>
-                  </a:lnTo>
-                  <a:lnTo>
-                    <a:pt x="4772024" y="84545"/>
-                  </a:lnTo>
-                  <a:lnTo>
-                    <a:pt x="4772024" y="2325278"/>
-                  </a:lnTo>
-                  <a:lnTo>
-                    <a:pt x="4760075" y="2364668"/>
-                  </a:lnTo>
-                  <a:lnTo>
-                    <a:pt x="4726868" y="2397875"/>
-                  </a:lnTo>
-                  <a:lnTo>
-                    <a:pt x="4693362" y="2409245"/>
-                  </a:lnTo>
-                  <a:lnTo>
-                    <a:pt x="4687478" y="2409824"/>
-                  </a:lnTo>
-                  <a:close/>
-                </a:path>
-              </a:pathLst>
-            </a:custGeom>
-            <a:solidFill>
-              <a:srgbClr val="20252D">
-                <a:alpha val="70199"/>
-              </a:srgbClr>
-            </a:solidFill>
-          </p:spPr>
-          <p:txBody>
-            <a:bodyPr wrap="square" lIns="0" tIns="0" rIns="0" bIns="0" rtlCol="0"/>
-            <a:lstStyle/>
-            <a:p>
-              <a:endParaRPr/>
-            </a:p>
-          </p:txBody>
-        </p:sp>
-        <p:sp>
-          <p:nvSpPr>
-            <p:cNvPr id="23" name="object 10">
-              <a:extLst>
-                <a:ext uri="{FF2B5EF4-FFF2-40B4-BE49-F238E27FC236}">
-                  <a16:creationId xmlns:a16="http://schemas.microsoft.com/office/drawing/2014/main" id="{1F6AA7AA-5EF1-B065-CF05-67CE2FCC310A}"/>
-                </a:ext>
-              </a:extLst>
-            </p:cNvPr>
-            <p:cNvSpPr/>
-            <p:nvPr/>
-          </p:nvSpPr>
-          <p:spPr>
-            <a:xfrm>
-              <a:off x="576262" y="3405187"/>
-              <a:ext cx="4772025" cy="2409825"/>
-            </a:xfrm>
-            <a:custGeom>
-              <a:avLst/>
-              <a:gdLst/>
-              <a:ahLst/>
-              <a:cxnLst/>
-              <a:rect l="l" t="t" r="r" b="b"/>
-              <a:pathLst>
-                <a:path w="4772025" h="2409825">
-                  <a:moveTo>
-                    <a:pt x="0" y="2319337"/>
-                  </a:moveTo>
-                  <a:lnTo>
-                    <a:pt x="0" y="90487"/>
-                  </a:lnTo>
-                  <a:lnTo>
-                    <a:pt x="0" y="84545"/>
-                  </a:lnTo>
-                  <a:lnTo>
-                    <a:pt x="579" y="78661"/>
-                  </a:lnTo>
-                  <a:lnTo>
-                    <a:pt x="1738" y="72834"/>
-                  </a:lnTo>
-                  <a:lnTo>
-                    <a:pt x="2897" y="67006"/>
-                  </a:lnTo>
-                  <a:lnTo>
-                    <a:pt x="4614" y="61348"/>
-                  </a:lnTo>
-                  <a:lnTo>
-                    <a:pt x="6887" y="55859"/>
-                  </a:lnTo>
-                  <a:lnTo>
-                    <a:pt x="9161" y="50369"/>
-                  </a:lnTo>
-                  <a:lnTo>
-                    <a:pt x="11948" y="45154"/>
-                  </a:lnTo>
-                  <a:lnTo>
-                    <a:pt x="15249" y="40214"/>
-                  </a:lnTo>
-                  <a:lnTo>
-                    <a:pt x="18550" y="35274"/>
-                  </a:lnTo>
-                  <a:lnTo>
-                    <a:pt x="22301" y="30703"/>
-                  </a:lnTo>
-                  <a:lnTo>
-                    <a:pt x="26503" y="26502"/>
-                  </a:lnTo>
-                  <a:lnTo>
-                    <a:pt x="30704" y="22301"/>
-                  </a:lnTo>
-                  <a:lnTo>
-                    <a:pt x="35275" y="18550"/>
-                  </a:lnTo>
-                  <a:lnTo>
-                    <a:pt x="40215" y="15249"/>
-                  </a:lnTo>
-                  <a:lnTo>
-                    <a:pt x="45155" y="11948"/>
-                  </a:lnTo>
-                  <a:lnTo>
-                    <a:pt x="50370" y="9161"/>
-                  </a:lnTo>
-                  <a:lnTo>
-                    <a:pt x="84545" y="0"/>
-                  </a:lnTo>
-                  <a:lnTo>
-                    <a:pt x="90487" y="0"/>
-                  </a:lnTo>
-                  <a:lnTo>
-                    <a:pt x="4681537" y="0"/>
-                  </a:lnTo>
-                  <a:lnTo>
-                    <a:pt x="4687478" y="0"/>
-                  </a:lnTo>
-                  <a:lnTo>
-                    <a:pt x="4693362" y="579"/>
-                  </a:lnTo>
-                  <a:lnTo>
-                    <a:pt x="4731808" y="15249"/>
-                  </a:lnTo>
-                  <a:lnTo>
-                    <a:pt x="4736748" y="18550"/>
-                  </a:lnTo>
-                  <a:lnTo>
-                    <a:pt x="4741319" y="22301"/>
-                  </a:lnTo>
-                  <a:lnTo>
-                    <a:pt x="4745521" y="26502"/>
-                  </a:lnTo>
-                  <a:lnTo>
-                    <a:pt x="4749722" y="30703"/>
-                  </a:lnTo>
-                  <a:lnTo>
-                    <a:pt x="4765136" y="55859"/>
-                  </a:lnTo>
-                  <a:lnTo>
-                    <a:pt x="4767409" y="61348"/>
-                  </a:lnTo>
-                  <a:lnTo>
-                    <a:pt x="4769125" y="67006"/>
-                  </a:lnTo>
-                  <a:lnTo>
-                    <a:pt x="4770285" y="72833"/>
-                  </a:lnTo>
-                  <a:lnTo>
-                    <a:pt x="4771445" y="78661"/>
-                  </a:lnTo>
-                  <a:lnTo>
-                    <a:pt x="4772024" y="84545"/>
-                  </a:lnTo>
-                  <a:lnTo>
-                    <a:pt x="4772024" y="90487"/>
-                  </a:lnTo>
-                  <a:lnTo>
-                    <a:pt x="4772024" y="2319337"/>
-                  </a:lnTo>
-                  <a:lnTo>
-                    <a:pt x="4772024" y="2325278"/>
-                  </a:lnTo>
-                  <a:lnTo>
-                    <a:pt x="4771445" y="2331162"/>
-                  </a:lnTo>
-                  <a:lnTo>
-                    <a:pt x="4770285" y="2336989"/>
-                  </a:lnTo>
-                  <a:lnTo>
-                    <a:pt x="4769125" y="2342817"/>
-                  </a:lnTo>
-                  <a:lnTo>
-                    <a:pt x="4767409" y="2348475"/>
-                  </a:lnTo>
-                  <a:lnTo>
-                    <a:pt x="4765136" y="2353964"/>
-                  </a:lnTo>
-                  <a:lnTo>
-                    <a:pt x="4762862" y="2359454"/>
-                  </a:lnTo>
-                  <a:lnTo>
-                    <a:pt x="4760075" y="2364668"/>
-                  </a:lnTo>
-                  <a:lnTo>
-                    <a:pt x="4756774" y="2369608"/>
-                  </a:lnTo>
-                  <a:lnTo>
-                    <a:pt x="4753473" y="2374549"/>
-                  </a:lnTo>
-                  <a:lnTo>
-                    <a:pt x="4749722" y="2379119"/>
-                  </a:lnTo>
-                  <a:lnTo>
-                    <a:pt x="4745521" y="2383321"/>
-                  </a:lnTo>
-                  <a:lnTo>
-                    <a:pt x="4741319" y="2387522"/>
-                  </a:lnTo>
-                  <a:lnTo>
-                    <a:pt x="4736748" y="2391273"/>
-                  </a:lnTo>
-                  <a:lnTo>
-                    <a:pt x="4731808" y="2394574"/>
-                  </a:lnTo>
-                  <a:lnTo>
-                    <a:pt x="4726868" y="2397875"/>
-                  </a:lnTo>
-                  <a:lnTo>
-                    <a:pt x="4721653" y="2400662"/>
-                  </a:lnTo>
-                  <a:lnTo>
-                    <a:pt x="4716164" y="2402936"/>
-                  </a:lnTo>
-                  <a:lnTo>
-                    <a:pt x="4710675" y="2405209"/>
-                  </a:lnTo>
-                  <a:lnTo>
-                    <a:pt x="4705017" y="2406926"/>
-                  </a:lnTo>
-                  <a:lnTo>
-                    <a:pt x="4699189" y="2408085"/>
-                  </a:lnTo>
-                  <a:lnTo>
-                    <a:pt x="4693362" y="2409245"/>
-                  </a:lnTo>
-                  <a:lnTo>
-                    <a:pt x="4687478" y="2409824"/>
-                  </a:lnTo>
-                  <a:lnTo>
-                    <a:pt x="4681537" y="2409824"/>
-                  </a:lnTo>
-                  <a:lnTo>
-                    <a:pt x="90487" y="2409824"/>
-                  </a:lnTo>
-                  <a:lnTo>
-                    <a:pt x="84545" y="2409824"/>
-                  </a:lnTo>
-                  <a:lnTo>
-                    <a:pt x="78661" y="2409245"/>
-                  </a:lnTo>
-                  <a:lnTo>
-                    <a:pt x="72834" y="2408085"/>
-                  </a:lnTo>
-                  <a:lnTo>
-                    <a:pt x="67006" y="2406926"/>
-                  </a:lnTo>
-                  <a:lnTo>
-                    <a:pt x="61348" y="2405209"/>
-                  </a:lnTo>
-                  <a:lnTo>
-                    <a:pt x="55859" y="2402936"/>
-                  </a:lnTo>
-                  <a:lnTo>
-                    <a:pt x="50370" y="2400662"/>
-                  </a:lnTo>
-                  <a:lnTo>
-                    <a:pt x="26503" y="2383321"/>
-                  </a:lnTo>
-                  <a:lnTo>
-                    <a:pt x="22301" y="2379119"/>
-                  </a:lnTo>
-                  <a:lnTo>
-                    <a:pt x="18550" y="2374549"/>
-                  </a:lnTo>
-                  <a:lnTo>
-                    <a:pt x="15249" y="2369608"/>
-                  </a:lnTo>
-                  <a:lnTo>
-                    <a:pt x="11948" y="2364668"/>
-                  </a:lnTo>
-                  <a:lnTo>
-                    <a:pt x="1738" y="2336989"/>
-                  </a:lnTo>
-                  <a:lnTo>
-                    <a:pt x="579" y="2331162"/>
-                  </a:lnTo>
-                  <a:lnTo>
-                    <a:pt x="0" y="2325278"/>
-                  </a:lnTo>
-                  <a:lnTo>
-                    <a:pt x="0" y="2319337"/>
-                  </a:lnTo>
-                  <a:close/>
-                </a:path>
-              </a:pathLst>
-            </a:custGeom>
-            <a:ln w="9524">
-              <a:solidFill>
-                <a:srgbClr val="2F363C"/>
-              </a:solidFill>
-            </a:ln>
-          </p:spPr>
-          <p:txBody>
-            <a:bodyPr wrap="square" lIns="0" tIns="0" rIns="0" bIns="0" rtlCol="0"/>
-            <a:lstStyle/>
-            <a:p>
-              <a:endParaRPr/>
-            </a:p>
-          </p:txBody>
-        </p:sp>
-      </p:grpSp>
-      <p:pic>
-        <p:nvPicPr>
-          <p:cNvPr id="24" name="그림 23">
-            <a:extLst>
-              <a:ext uri="{FF2B5EF4-FFF2-40B4-BE49-F238E27FC236}">
-                <a16:creationId xmlns:a16="http://schemas.microsoft.com/office/drawing/2014/main" id="{7897C377-1502-A521-D48F-4DC576ACD725}"/>
-              </a:ext>
-            </a:extLst>
-          </p:cNvPr>
-          <p:cNvPicPr>
-            <a:picLocks noChangeAspect="1"/>
-          </p:cNvPicPr>
-          <p:nvPr/>
-        </p:nvPicPr>
-        <p:blipFill>
-          <a:blip r:embed="rId2"/>
-          <a:stretch>
-            <a:fillRect/>
-          </a:stretch>
-        </p:blipFill>
-        <p:spPr>
-          <a:xfrm>
-            <a:off x="6347353" y="1717480"/>
-            <a:ext cx="4315038" cy="2479016"/>
-          </a:xfrm>
-          <a:prstGeom prst="rect">
-            <a:avLst/>
-          </a:prstGeom>
-        </p:spPr>
-      </p:pic>
-      <p:sp>
-        <p:nvSpPr>
-          <p:cNvPr id="26" name="object 14">
-            <a:extLst>
-              <a:ext uri="{FF2B5EF4-FFF2-40B4-BE49-F238E27FC236}">
-                <a16:creationId xmlns:a16="http://schemas.microsoft.com/office/drawing/2014/main" id="{164B275A-3DE8-DB06-80C2-84CE22AFA34C}"/>
-              </a:ext>
-            </a:extLst>
-          </p:cNvPr>
-          <p:cNvSpPr txBox="1"/>
-          <p:nvPr/>
-        </p:nvSpPr>
-        <p:spPr>
-          <a:xfrm>
-            <a:off x="6347352" y="4382322"/>
-            <a:ext cx="4315037" cy="1274067"/>
-          </a:xfrm>
-          <a:prstGeom prst="rect">
-            <a:avLst/>
-          </a:prstGeom>
-        </p:spPr>
-        <p:txBody>
-          <a:bodyPr vert="horz" wrap="square" lIns="0" tIns="13335" rIns="0" bIns="0" rtlCol="0">
-            <a:spAutoFit/>
-          </a:bodyPr>
-          <a:lstStyle/>
-          <a:p>
-            <a:pPr marL="12700">
-              <a:lnSpc>
-                <a:spcPct val="100000"/>
-              </a:lnSpc>
-              <a:spcBef>
-                <a:spcPts val="105"/>
-              </a:spcBef>
-            </a:pPr>
-            <a:r>
-              <a:rPr lang="ko-KR" altLang="en-US" sz="1900" b="1" spc="-335" dirty="0">
-                <a:solidFill>
-                  <a:srgbClr val="58A6FF"/>
-                </a:solidFill>
-                <a:latin typeface="Malgun Gothic"/>
-                <a:cs typeface="Malgun Gothic"/>
-              </a:rPr>
-              <a:t>기차놀이</a:t>
-            </a:r>
-            <a:r>
-              <a:rPr sz="1900" b="1" spc="-335" dirty="0">
-                <a:solidFill>
-                  <a:srgbClr val="58A6FF"/>
-                </a:solidFill>
-                <a:latin typeface="Malgun Gothic"/>
-                <a:cs typeface="Malgun Gothic"/>
-              </a:rPr>
-              <a:t>란</a:t>
-            </a:r>
-            <a:r>
-              <a:rPr sz="1900" b="1" spc="-335" dirty="0">
-                <a:solidFill>
-                  <a:srgbClr val="58A6FF"/>
-                </a:solidFill>
-                <a:latin typeface="Noto Sans JP"/>
-                <a:cs typeface="Noto Sans JP"/>
-              </a:rPr>
-              <a:t>?</a:t>
-            </a:r>
-            <a:endParaRPr sz="1900" dirty="0">
-              <a:latin typeface="Noto Sans JP"/>
-              <a:cs typeface="Noto Sans JP"/>
-            </a:endParaRPr>
-          </a:p>
-          <a:p>
-            <a:pPr marL="12700" marR="5080">
-              <a:lnSpc>
-                <a:spcPct val="117200"/>
-              </a:lnSpc>
-              <a:spcBef>
-                <a:spcPts val="1140"/>
-              </a:spcBef>
-            </a:pPr>
-            <a:r>
-              <a:rPr lang="ko-KR" altLang="en-US" sz="1600" spc="-125" dirty="0">
-                <a:solidFill>
-                  <a:srgbClr val="C8D0D9"/>
-                </a:solidFill>
-                <a:latin typeface="Dotum"/>
-                <a:cs typeface="Dotum"/>
-              </a:rPr>
-              <a:t>앞쪽 </a:t>
-            </a:r>
-            <a:r>
-              <a:rPr lang="ko-KR" altLang="en-US" sz="1600" spc="-125" dirty="0" err="1">
-                <a:solidFill>
-                  <a:srgbClr val="C8D0D9"/>
-                </a:solidFill>
-                <a:latin typeface="Dotum"/>
-                <a:cs typeface="Dotum"/>
-              </a:rPr>
-              <a:t>브랜치의</a:t>
-            </a:r>
-            <a:r>
-              <a:rPr lang="ko-KR" altLang="en-US" sz="1600" spc="-125" dirty="0">
-                <a:solidFill>
-                  <a:srgbClr val="C8D0D9"/>
-                </a:solidFill>
-                <a:latin typeface="Dotum"/>
-                <a:cs typeface="Dotum"/>
-              </a:rPr>
-              <a:t> 변경을 뒤쪽으로 연쇄적으로 전파</a:t>
-            </a:r>
-            <a:r>
-              <a:rPr lang="en-US" altLang="ko-KR" sz="1600" spc="-125" dirty="0">
-                <a:solidFill>
-                  <a:srgbClr val="C8D0D9"/>
-                </a:solidFill>
-                <a:latin typeface="Dotum"/>
-                <a:cs typeface="Dotum"/>
-              </a:rPr>
-              <a:t>, </a:t>
-            </a:r>
-            <a:r>
-              <a:rPr lang="ko-KR" altLang="en-US" sz="1600" spc="-125" dirty="0">
-                <a:solidFill>
-                  <a:srgbClr val="C8D0D9"/>
-                </a:solidFill>
-                <a:latin typeface="Dotum"/>
-                <a:cs typeface="Dotum"/>
-              </a:rPr>
-              <a:t>단일 </a:t>
-            </a:r>
-            <a:r>
-              <a:rPr lang="en-US" altLang="ko-KR" sz="1600" spc="-125" dirty="0">
-                <a:solidFill>
-                  <a:srgbClr val="C8D0D9"/>
-                </a:solidFill>
-                <a:latin typeface="Dotum"/>
-                <a:cs typeface="Dotum"/>
-              </a:rPr>
-              <a:t>QA </a:t>
-            </a:r>
-            <a:r>
-              <a:rPr lang="ko-KR" altLang="en-US" sz="1600" spc="-125" dirty="0">
-                <a:solidFill>
-                  <a:srgbClr val="C8D0D9"/>
-                </a:solidFill>
-                <a:latin typeface="Dotum"/>
-                <a:cs typeface="Dotum"/>
-              </a:rPr>
-              <a:t>환경에서 여러 배포 </a:t>
-            </a:r>
-            <a:r>
-              <a:rPr lang="ko-KR" altLang="en-US" sz="1600" spc="-125" dirty="0" err="1">
-                <a:solidFill>
-                  <a:srgbClr val="C8D0D9"/>
-                </a:solidFill>
-                <a:latin typeface="Dotum"/>
-                <a:cs typeface="Dotum"/>
-              </a:rPr>
-              <a:t>브랜치의</a:t>
-            </a:r>
-            <a:r>
-              <a:rPr lang="ko-KR" altLang="en-US" sz="1600" spc="-125" dirty="0">
-                <a:solidFill>
-                  <a:srgbClr val="C8D0D9"/>
-                </a:solidFill>
-                <a:latin typeface="Dotum"/>
-                <a:cs typeface="Dotum"/>
-              </a:rPr>
-              <a:t> 기능을 동시 테스트 가능하게 하는 전략</a:t>
-            </a:r>
-            <a:endParaRPr sz="1600" dirty="0">
-              <a:latin typeface="Dotum"/>
-              <a:cs typeface="Dotum"/>
-            </a:endParaRPr>
-          </a:p>
-        </p:txBody>
-      </p:sp>
-    </p:spTree>
-    <p:extLst>
-      <p:ext uri="{BB962C8B-B14F-4D97-AF65-F5344CB8AC3E}">
-        <p14:creationId xmlns:p14="http://schemas.microsoft.com/office/powerpoint/2010/main" val="3867366405"/>
-      </p:ext>
-    </p:extLst>
   </p:cSld>
   <p:clrMapOvr>
     <a:masterClrMapping/>
